--- a/reports/Presentation.pptx
+++ b/reports/Presentation.pptx
@@ -246,7 +246,7 @@
           <a:p>
             <a:fld id="{1BE83274-B678-44EA-BAF4-0AA32708275B}" type="datetimeFigureOut">
               <a:rPr lang="it-IT" smtClean="0"/>
-              <a:t>09/06/2023</a:t>
+              <a:t>14/06/2023</a:t>
             </a:fld>
             <a:endParaRPr lang="it-IT"/>
           </a:p>
@@ -1328,7 +1328,7 @@
           <a:p>
             <a:fld id="{1D8BD707-D9CF-40AE-B4C6-C98DA3205C09}" type="datetimeFigureOut">
               <a:rPr lang="en-US"/>
-              <a:t>6/9/2023</a:t>
+              <a:t>6/14/2023</a:t>
             </a:fld>
             <a:endParaRPr lang="en-US"/>
           </a:p>
@@ -1505,7 +1505,7 @@
           <a:p>
             <a:fld id="{1D8BD707-D9CF-40AE-B4C6-C98DA3205C09}" type="datetimeFigureOut">
               <a:rPr lang="en-US"/>
-              <a:t>6/9/2023</a:t>
+              <a:t>6/14/2023</a:t>
             </a:fld>
             <a:endParaRPr lang="en-US"/>
           </a:p>
@@ -1719,7 +1719,7 @@
           <a:p>
             <a:fld id="{1D8BD707-D9CF-40AE-B4C6-C98DA3205C09}" type="datetimeFigureOut">
               <a:rPr lang="en-US"/>
-              <a:t>6/9/2023</a:t>
+              <a:t>6/14/2023</a:t>
             </a:fld>
             <a:endParaRPr lang="en-US"/>
           </a:p>
@@ -1867,7 +1867,7 @@
           <a:p>
             <a:fld id="{1D8BD707-D9CF-40AE-B4C6-C98DA3205C09}" type="datetimeFigureOut">
               <a:rPr lang="en-US"/>
-              <a:t>6/9/2023</a:t>
+              <a:t>6/14/2023</a:t>
             </a:fld>
             <a:endParaRPr lang="en-US"/>
           </a:p>
@@ -1986,7 +1986,7 @@
           <a:p>
             <a:fld id="{1D8BD707-D9CF-40AE-B4C6-C98DA3205C09}" type="datetimeFigureOut">
               <a:rPr lang="en-US"/>
-              <a:t>6/9/2023</a:t>
+              <a:t>6/14/2023</a:t>
             </a:fld>
             <a:endParaRPr lang="en-US"/>
           </a:p>
@@ -2283,7 +2283,7 @@
           <a:p>
             <a:fld id="{1D8BD707-D9CF-40AE-B4C6-C98DA3205C09}" type="datetimeFigureOut">
               <a:rPr lang="en-US"/>
-              <a:t>6/9/2023</a:t>
+              <a:t>6/14/2023</a:t>
             </a:fld>
             <a:endParaRPr lang="en-US"/>
           </a:p>
@@ -2528,8 +2528,8 @@
         </p:nvSpPr>
         <p:spPr>
           <a:xfrm>
-            <a:off x="1828800" y="2133600"/>
-            <a:ext cx="7732269" cy="1475404"/>
+            <a:off x="1828800" y="2438400"/>
+            <a:ext cx="8534400" cy="1615827"/>
           </a:xfrm>
         </p:spPr>
         <p:txBody>
@@ -2537,7 +2537,7 @@
           <a:lstStyle/>
           <a:p>
             <a:r>
-              <a:rPr lang="en-US" sz="3196" b="1" kern="1200" dirty="0">
+              <a:rPr lang="en-US" sz="3500" b="1" kern="1200" dirty="0">
                 <a:solidFill>
                   <a:srgbClr val="FFFFFF"/>
                 </a:solidFill>
@@ -2545,7 +2545,7 @@
               </a:rPr>
               <a:t>Analyzing &amp; Predicting NBA Rookie Success: A Statistical Learning Approach</a:t>
             </a:r>
-            <a:endParaRPr lang="it-IT" sz="3196" b="1" kern="1200" dirty="0">
+            <a:endParaRPr lang="it-IT" sz="3500" b="1" kern="1200" dirty="0">
               <a:solidFill>
                 <a:srgbClr val="FFFFFF"/>
               </a:solidFill>
@@ -2705,7 +2705,7 @@
         </p:nvSpPr>
         <p:spPr>
           <a:xfrm>
-            <a:off x="853846" y="1828800"/>
+            <a:off x="853846" y="1800000"/>
             <a:ext cx="9643745" cy="3310009"/>
           </a:xfrm>
           <a:prstGeom prst="rect">
@@ -2764,33 +2764,36 @@
             <a:r>
               <a:rPr lang="it-IT" sz="2400" b="1" dirty="0">
                 <a:solidFill>
-                  <a:srgbClr val="172542"/>
-                </a:solidFill>
-                <a:latin typeface="Arial"/>
-                <a:cs typeface="Arial"/>
-              </a:rPr>
-              <a:t>Dataset </a:t>
+                  <a:schemeClr val="bg1">
+                    <a:lumMod val="75000"/>
+                  </a:schemeClr>
+                </a:solidFill>
+                <a:latin typeface="Arial"/>
+                <a:cs typeface="Arial"/>
+              </a:rPr>
+              <a:t>Data </a:t>
             </a:r>
             <a:r>
               <a:rPr lang="it-IT" sz="2400" b="1" dirty="0" err="1">
                 <a:solidFill>
-                  <a:srgbClr val="172542"/>
-                </a:solidFill>
-                <a:latin typeface="Arial"/>
-                <a:cs typeface="Arial"/>
-              </a:rPr>
-              <a:t>Overview</a:t>
-            </a:r>
-            <a:r>
-              <a:rPr lang="it-IT" sz="2400" b="1" dirty="0">
-                <a:solidFill>
-                  <a:srgbClr val="172542"/>
-                </a:solidFill>
-                <a:latin typeface="Arial"/>
-                <a:cs typeface="Arial"/>
-              </a:rPr>
-              <a:t> </a:t>
-            </a:r>
+                  <a:schemeClr val="bg1">
+                    <a:lumMod val="75000"/>
+                  </a:schemeClr>
+                </a:solidFill>
+                <a:latin typeface="Arial"/>
+                <a:cs typeface="Arial"/>
+              </a:rPr>
+              <a:t>Preprocessing</a:t>
+            </a:r>
+            <a:endParaRPr lang="it-IT" sz="2400" b="1" dirty="0">
+              <a:solidFill>
+                <a:schemeClr val="bg1">
+                  <a:lumMod val="75000"/>
+                </a:schemeClr>
+              </a:solidFill>
+              <a:latin typeface="Arial"/>
+              <a:cs typeface="Arial"/>
+            </a:endParaRPr>
           </a:p>
           <a:p>
             <a:pPr marL="252000" indent="-228600">
@@ -2806,26 +2809,32 @@
             <a:r>
               <a:rPr lang="it-IT" sz="2400" b="1" dirty="0">
                 <a:solidFill>
-                  <a:schemeClr val="bg1">
-                    <a:lumMod val="75000"/>
-                  </a:schemeClr>
-                </a:solidFill>
-                <a:latin typeface="Arial"/>
-                <a:cs typeface="Arial"/>
-              </a:rPr>
-              <a:t>Data </a:t>
+                  <a:srgbClr val="172542"/>
+                </a:solidFill>
+                <a:latin typeface="Arial"/>
+                <a:cs typeface="Arial"/>
+              </a:rPr>
+              <a:t>Dataset </a:t>
             </a:r>
             <a:r>
               <a:rPr lang="it-IT" sz="2400" b="1" dirty="0" err="1">
                 <a:solidFill>
-                  <a:schemeClr val="bg1">
-                    <a:lumMod val="75000"/>
-                  </a:schemeClr>
-                </a:solidFill>
-                <a:latin typeface="Arial"/>
-                <a:cs typeface="Arial"/>
-              </a:rPr>
-              <a:t>Preprocessing</a:t>
+                  <a:srgbClr val="172542"/>
+                </a:solidFill>
+                <a:latin typeface="Arial"/>
+                <a:cs typeface="Arial"/>
+              </a:rPr>
+              <a:t>Overview</a:t>
+            </a:r>
+            <a:r>
+              <a:rPr lang="it-IT" sz="2400" b="1" dirty="0">
+                <a:solidFill>
+                  <a:srgbClr val="172542"/>
+                </a:solidFill>
+                <a:latin typeface="Arial"/>
+                <a:cs typeface="Arial"/>
+              </a:rPr>
+              <a:t> </a:t>
             </a:r>
             <a:endParaRPr lang="it-IT" sz="2400" b="1" dirty="0">
               <a:solidFill>
@@ -2849,7 +2858,7 @@
               </a:tabLst>
             </a:pPr>
             <a:r>
-              <a:rPr lang="it-IT" sz="2400" b="1" dirty="0">
+              <a:rPr lang="it-IT" sz="2400" b="1" dirty="0" err="1">
                 <a:solidFill>
                   <a:schemeClr val="bg1">
                     <a:lumMod val="75000"/>
@@ -2858,7 +2867,19 @@
                 <a:latin typeface="Arial"/>
                 <a:cs typeface="Arial"/>
               </a:rPr>
-              <a:t>Regression Analysis: </a:t>
+              <a:t>Regression</a:t>
+            </a:r>
+            <a:r>
+              <a:rPr lang="it-IT" sz="2400" b="1" dirty="0">
+                <a:solidFill>
+                  <a:schemeClr val="bg1">
+                    <a:lumMod val="75000"/>
+                  </a:schemeClr>
+                </a:solidFill>
+                <a:latin typeface="Arial"/>
+                <a:cs typeface="Arial"/>
+              </a:rPr>
+              <a:t> Analysis: </a:t>
             </a:r>
             <a:r>
               <a:rPr lang="it-IT" sz="2400" b="1" dirty="0" err="1">
@@ -3041,7 +3062,7 @@
               </a:rPr>
               <a:t>Outline</a:t>
             </a:r>
-            <a:endParaRPr sz="3500" dirty="0">
+            <a:endParaRPr sz="3500" b="1" dirty="0">
               <a:latin typeface="Arial"/>
               <a:cs typeface="Arial"/>
             </a:endParaRPr>
@@ -3147,25 +3168,25 @@
           <p:nvPr>
             <p:extLst>
               <p:ext uri="{D42A27DB-BD31-4B8C-83A1-F6EECF244321}">
-                <p14:modId xmlns:p14="http://schemas.microsoft.com/office/powerpoint/2010/main" val="3816305583"/>
+                <p14:modId xmlns:p14="http://schemas.microsoft.com/office/powerpoint/2010/main" val="1018653456"/>
               </p:ext>
             </p:extLst>
           </p:nvPr>
         </p:nvGraphicFramePr>
         <p:xfrm>
-          <a:off x="681087" y="1521955"/>
-          <a:ext cx="3129799" cy="2057400"/>
+          <a:off x="720000" y="1440000"/>
+          <a:ext cx="3120750" cy="2052000"/>
         </p:xfrm>
         <a:graphic>
           <a:graphicData uri="http://schemas.openxmlformats.org/presentationml/2006/ole">
             <mc:AlternateContent xmlns:mc="http://schemas.openxmlformats.org/markup-compatibility/2006">
               <mc:Choice xmlns:v="urn:schemas-microsoft-com:vml" Requires="v">
-                <p:oleObj name="Acrobat Document" r:id="rId2" imgW="4206240" imgH="2765657" progId="Acrobat.Document.DC">
+                <p:oleObj name="Acrobat Document" r:id="rId2" imgW="4205866" imgH="2765644" progId="Acrobat.Document.DC">
                   <p:embed/>
                 </p:oleObj>
               </mc:Choice>
               <mc:Fallback>
-                <p:oleObj name="Acrobat Document" r:id="rId2" imgW="4206240" imgH="2765657" progId="Acrobat.Document.DC">
+                <p:oleObj name="Acrobat Document" r:id="rId2" imgW="4205866" imgH="2765644" progId="Acrobat.Document.DC">
                   <p:embed/>
                   <p:pic>
                     <p:nvPicPr>
@@ -3181,8 +3202,8 @@
                     </p:blipFill>
                     <p:spPr>
                       <a:xfrm>
-                        <a:off x="681087" y="1521955"/>
-                        <a:ext cx="3129799" cy="2057400"/>
+                        <a:off x="720000" y="1440000"/>
+                        <a:ext cx="3120750" cy="2052000"/>
                       </a:xfrm>
                       <a:prstGeom prst="rect">
                         <a:avLst/>
@@ -3210,14 +3231,14 @@
           <p:nvPr>
             <p:extLst>
               <p:ext uri="{D42A27DB-BD31-4B8C-83A1-F6EECF244321}">
-                <p14:modId xmlns:p14="http://schemas.microsoft.com/office/powerpoint/2010/main" val="1666282874"/>
+                <p14:modId xmlns:p14="http://schemas.microsoft.com/office/powerpoint/2010/main" val="3449632224"/>
               </p:ext>
             </p:extLst>
           </p:nvPr>
         </p:nvGraphicFramePr>
         <p:xfrm>
-          <a:off x="4406880" y="3879948"/>
-          <a:ext cx="3021424" cy="1986159"/>
+          <a:off x="4428000" y="3780000"/>
+          <a:ext cx="3121584" cy="2052000"/>
         </p:xfrm>
         <a:graphic>
           <a:graphicData uri="http://schemas.openxmlformats.org/presentationml/2006/ole">
@@ -3244,8 +3265,8 @@
                     </p:blipFill>
                     <p:spPr>
                       <a:xfrm>
-                        <a:off x="4406880" y="3879948"/>
-                        <a:ext cx="3021424" cy="1986159"/>
+                        <a:off x="4428000" y="3780000"/>
+                        <a:ext cx="3121584" cy="2052000"/>
                       </a:xfrm>
                       <a:prstGeom prst="rect">
                         <a:avLst/>
@@ -3273,14 +3294,14 @@
           <p:nvPr>
             <p:extLst>
               <p:ext uri="{D42A27DB-BD31-4B8C-83A1-F6EECF244321}">
-                <p14:modId xmlns:p14="http://schemas.microsoft.com/office/powerpoint/2010/main" val="3099599863"/>
+                <p14:modId xmlns:p14="http://schemas.microsoft.com/office/powerpoint/2010/main" val="1615276258"/>
               </p:ext>
             </p:extLst>
           </p:nvPr>
         </p:nvGraphicFramePr>
         <p:xfrm>
-          <a:off x="681087" y="3821309"/>
-          <a:ext cx="3199834" cy="2103438"/>
+          <a:off x="720000" y="3780000"/>
+          <a:ext cx="3121584" cy="2052000"/>
         </p:xfrm>
         <a:graphic>
           <a:graphicData uri="http://schemas.openxmlformats.org/presentationml/2006/ole">
@@ -3307,8 +3328,8 @@
                     </p:blipFill>
                     <p:spPr>
                       <a:xfrm>
-                        <a:off x="681087" y="3821309"/>
-                        <a:ext cx="3199834" cy="2103438"/>
+                        <a:off x="720000" y="3780000"/>
+                        <a:ext cx="3121584" cy="2052000"/>
                       </a:xfrm>
                       <a:prstGeom prst="rect">
                         <a:avLst/>
@@ -3336,14 +3357,14 @@
           <p:nvPr>
             <p:extLst>
               <p:ext uri="{D42A27DB-BD31-4B8C-83A1-F6EECF244321}">
-                <p14:modId xmlns:p14="http://schemas.microsoft.com/office/powerpoint/2010/main" val="3698763432"/>
+                <p14:modId xmlns:p14="http://schemas.microsoft.com/office/powerpoint/2010/main" val="2644300238"/>
               </p:ext>
             </p:extLst>
           </p:nvPr>
         </p:nvGraphicFramePr>
         <p:xfrm>
-          <a:off x="8132672" y="1525311"/>
-          <a:ext cx="3129799" cy="2057400"/>
+          <a:off x="8136000" y="1440000"/>
+          <a:ext cx="3121584" cy="2052000"/>
         </p:xfrm>
         <a:graphic>
           <a:graphicData uri="http://schemas.openxmlformats.org/presentationml/2006/ole">
@@ -3370,8 +3391,8 @@
                     </p:blipFill>
                     <p:spPr>
                       <a:xfrm>
-                        <a:off x="8132672" y="1525311"/>
-                        <a:ext cx="3129799" cy="2057400"/>
+                        <a:off x="8136000" y="1440000"/>
+                        <a:ext cx="3121584" cy="2052000"/>
                       </a:xfrm>
                       <a:prstGeom prst="rect">
                         <a:avLst/>
@@ -3399,25 +3420,25 @@
           <p:nvPr>
             <p:extLst>
               <p:ext uri="{D42A27DB-BD31-4B8C-83A1-F6EECF244321}">
-                <p14:modId xmlns:p14="http://schemas.microsoft.com/office/powerpoint/2010/main" val="898636062"/>
+                <p14:modId xmlns:p14="http://schemas.microsoft.com/office/powerpoint/2010/main" val="3186874036"/>
               </p:ext>
             </p:extLst>
           </p:nvPr>
         </p:nvGraphicFramePr>
         <p:xfrm>
-          <a:off x="4406880" y="1521956"/>
-          <a:ext cx="3129799" cy="2057400"/>
+          <a:off x="4428000" y="1440000"/>
+          <a:ext cx="3120750" cy="2052000"/>
         </p:xfrm>
         <a:graphic>
           <a:graphicData uri="http://schemas.openxmlformats.org/presentationml/2006/ole">
             <mc:AlternateContent xmlns:mc="http://schemas.openxmlformats.org/markup-compatibility/2006">
               <mc:Choice xmlns:v="urn:schemas-microsoft-com:vml" Requires="v">
-                <p:oleObj name="Acrobat Document" r:id="rId10" imgW="4206240" imgH="2765657" progId="Acrobat.Document.DC">
+                <p:oleObj name="Acrobat Document" r:id="rId10" imgW="4205866" imgH="2765644" progId="Acrobat.Document.DC">
                   <p:embed/>
                 </p:oleObj>
               </mc:Choice>
               <mc:Fallback>
-                <p:oleObj name="Acrobat Document" r:id="rId10" imgW="4206240" imgH="2765657" progId="Acrobat.Document.DC">
+                <p:oleObj name="Acrobat Document" r:id="rId10" imgW="4205866" imgH="2765644" progId="Acrobat.Document.DC">
                   <p:embed/>
                   <p:pic>
                     <p:nvPicPr>
@@ -3433,8 +3454,8 @@
                     </p:blipFill>
                     <p:spPr>
                       <a:xfrm>
-                        <a:off x="4406880" y="1521956"/>
-                        <a:ext cx="3129799" cy="2057400"/>
+                        <a:off x="4428000" y="1440000"/>
+                        <a:ext cx="3120750" cy="2052000"/>
                       </a:xfrm>
                       <a:prstGeom prst="rect">
                         <a:avLst/>
@@ -3546,14 +3567,14 @@
           <p:nvPr>
             <p:extLst>
               <p:ext uri="{D42A27DB-BD31-4B8C-83A1-F6EECF244321}">
-                <p14:modId xmlns:p14="http://schemas.microsoft.com/office/powerpoint/2010/main" val="2419515794"/>
+                <p14:modId xmlns:p14="http://schemas.microsoft.com/office/powerpoint/2010/main" val="374078991"/>
               </p:ext>
             </p:extLst>
           </p:nvPr>
         </p:nvGraphicFramePr>
         <p:xfrm>
-          <a:off x="4611638" y="3989992"/>
-          <a:ext cx="2965581" cy="1949450"/>
+          <a:off x="4428000" y="3780000"/>
+          <a:ext cx="3121585" cy="2052000"/>
         </p:xfrm>
         <a:graphic>
           <a:graphicData uri="http://schemas.openxmlformats.org/presentationml/2006/ole">
@@ -3580,8 +3601,8 @@
                     </p:blipFill>
                     <p:spPr>
                       <a:xfrm>
-                        <a:off x="4611638" y="3989992"/>
-                        <a:ext cx="2965581" cy="1949450"/>
+                        <a:off x="4428000" y="3780000"/>
+                        <a:ext cx="3121585" cy="2052000"/>
                       </a:xfrm>
                       <a:prstGeom prst="rect">
                         <a:avLst/>
@@ -3609,14 +3630,14 @@
           <p:nvPr>
             <p:extLst>
               <p:ext uri="{D42A27DB-BD31-4B8C-83A1-F6EECF244321}">
-                <p14:modId xmlns:p14="http://schemas.microsoft.com/office/powerpoint/2010/main" val="4229285481"/>
+                <p14:modId xmlns:p14="http://schemas.microsoft.com/office/powerpoint/2010/main" val="2613448561"/>
               </p:ext>
             </p:extLst>
           </p:nvPr>
         </p:nvGraphicFramePr>
         <p:xfrm>
-          <a:off x="958898" y="3853363"/>
-          <a:ext cx="3048000" cy="2003629"/>
+          <a:off x="720000" y="3780000"/>
+          <a:ext cx="3121584" cy="2052000"/>
         </p:xfrm>
         <a:graphic>
           <a:graphicData uri="http://schemas.openxmlformats.org/presentationml/2006/ole">
@@ -3643,8 +3664,8 @@
                     </p:blipFill>
                     <p:spPr>
                       <a:xfrm>
-                        <a:off x="958898" y="3853363"/>
-                        <a:ext cx="3048000" cy="2003629"/>
+                        <a:off x="720000" y="3780000"/>
+                        <a:ext cx="3121584" cy="2052000"/>
                       </a:xfrm>
                       <a:prstGeom prst="rect">
                         <a:avLst/>
@@ -3672,14 +3693,14 @@
           <p:nvPr>
             <p:extLst>
               <p:ext uri="{D42A27DB-BD31-4B8C-83A1-F6EECF244321}">
-                <p14:modId xmlns:p14="http://schemas.microsoft.com/office/powerpoint/2010/main" val="241497626"/>
+                <p14:modId xmlns:p14="http://schemas.microsoft.com/office/powerpoint/2010/main" val="3257239634"/>
               </p:ext>
             </p:extLst>
           </p:nvPr>
         </p:nvGraphicFramePr>
         <p:xfrm>
-          <a:off x="8185101" y="1690981"/>
-          <a:ext cx="2965581" cy="1949449"/>
+          <a:off x="8136000" y="1440000"/>
+          <a:ext cx="3121586" cy="2052000"/>
         </p:xfrm>
         <a:graphic>
           <a:graphicData uri="http://schemas.openxmlformats.org/presentationml/2006/ole">
@@ -3706,8 +3727,8 @@
                     </p:blipFill>
                     <p:spPr>
                       <a:xfrm>
-                        <a:off x="8185101" y="1690981"/>
-                        <a:ext cx="2965581" cy="1949449"/>
+                        <a:off x="8136000" y="1440000"/>
+                        <a:ext cx="3121586" cy="2052000"/>
                       </a:xfrm>
                       <a:prstGeom prst="rect">
                         <a:avLst/>
@@ -3735,14 +3756,14 @@
           <p:nvPr>
             <p:extLst>
               <p:ext uri="{D42A27DB-BD31-4B8C-83A1-F6EECF244321}">
-                <p14:modId xmlns:p14="http://schemas.microsoft.com/office/powerpoint/2010/main" val="693907529"/>
+                <p14:modId xmlns:p14="http://schemas.microsoft.com/office/powerpoint/2010/main" val="3456084097"/>
               </p:ext>
             </p:extLst>
           </p:nvPr>
         </p:nvGraphicFramePr>
         <p:xfrm>
-          <a:off x="4613209" y="1690982"/>
-          <a:ext cx="2965581" cy="1949450"/>
+          <a:off x="4428000" y="1440000"/>
+          <a:ext cx="3121585" cy="2052000"/>
         </p:xfrm>
         <a:graphic>
           <a:graphicData uri="http://schemas.openxmlformats.org/presentationml/2006/ole">
@@ -3769,8 +3790,8 @@
                     </p:blipFill>
                     <p:spPr>
                       <a:xfrm>
-                        <a:off x="4613209" y="1690982"/>
-                        <a:ext cx="2965581" cy="1949450"/>
+                        <a:off x="4428000" y="1440000"/>
+                        <a:ext cx="3121585" cy="2052000"/>
                       </a:xfrm>
                       <a:prstGeom prst="rect">
                         <a:avLst/>
@@ -3798,14 +3819,14 @@
           <p:nvPr>
             <p:extLst>
               <p:ext uri="{D42A27DB-BD31-4B8C-83A1-F6EECF244321}">
-                <p14:modId xmlns:p14="http://schemas.microsoft.com/office/powerpoint/2010/main" val="900052736"/>
+                <p14:modId xmlns:p14="http://schemas.microsoft.com/office/powerpoint/2010/main" val="1790871424"/>
               </p:ext>
             </p:extLst>
           </p:nvPr>
         </p:nvGraphicFramePr>
         <p:xfrm>
-          <a:off x="853846" y="1629364"/>
-          <a:ext cx="3153052" cy="2072686"/>
+          <a:off x="720000" y="1440000"/>
+          <a:ext cx="3121584" cy="2052000"/>
         </p:xfrm>
         <a:graphic>
           <a:graphicData uri="http://schemas.openxmlformats.org/presentationml/2006/ole">
@@ -3832,8 +3853,8 @@
                     </p:blipFill>
                     <p:spPr>
                       <a:xfrm>
-                        <a:off x="853846" y="1629364"/>
-                        <a:ext cx="3153052" cy="2072686"/>
+                        <a:off x="720000" y="1440000"/>
+                        <a:ext cx="3121584" cy="2052000"/>
                       </a:xfrm>
                       <a:prstGeom prst="rect">
                         <a:avLst/>
@@ -3945,14 +3966,14 @@
           <p:nvPr>
             <p:extLst>
               <p:ext uri="{D42A27DB-BD31-4B8C-83A1-F6EECF244321}">
-                <p14:modId xmlns:p14="http://schemas.microsoft.com/office/powerpoint/2010/main" val="3438879889"/>
+                <p14:modId xmlns:p14="http://schemas.microsoft.com/office/powerpoint/2010/main" val="989921626"/>
               </p:ext>
             </p:extLst>
           </p:nvPr>
         </p:nvGraphicFramePr>
         <p:xfrm>
-          <a:off x="4453756" y="3886201"/>
-          <a:ext cx="2879954" cy="1893162"/>
+          <a:off x="4428000" y="3780000"/>
+          <a:ext cx="3121586" cy="2052000"/>
         </p:xfrm>
         <a:graphic>
           <a:graphicData uri="http://schemas.openxmlformats.org/presentationml/2006/ole">
@@ -3979,8 +4000,8 @@
                     </p:blipFill>
                     <p:spPr>
                       <a:xfrm>
-                        <a:off x="4453756" y="3886201"/>
-                        <a:ext cx="2879954" cy="1893162"/>
+                        <a:off x="4428000" y="3780000"/>
+                        <a:ext cx="3121586" cy="2052000"/>
                       </a:xfrm>
                       <a:prstGeom prst="rect">
                         <a:avLst/>
@@ -4008,14 +4029,14 @@
           <p:nvPr>
             <p:extLst>
               <p:ext uri="{D42A27DB-BD31-4B8C-83A1-F6EECF244321}">
-                <p14:modId xmlns:p14="http://schemas.microsoft.com/office/powerpoint/2010/main" val="1411930705"/>
+                <p14:modId xmlns:p14="http://schemas.microsoft.com/office/powerpoint/2010/main" val="1648272098"/>
               </p:ext>
             </p:extLst>
           </p:nvPr>
         </p:nvGraphicFramePr>
         <p:xfrm>
-          <a:off x="874271" y="3886200"/>
-          <a:ext cx="2879955" cy="1893163"/>
+          <a:off x="884100" y="3886199"/>
+          <a:ext cx="3121586" cy="2052000"/>
         </p:xfrm>
         <a:graphic>
           <a:graphicData uri="http://schemas.openxmlformats.org/presentationml/2006/ole">
@@ -4042,8 +4063,8 @@
                     </p:blipFill>
                     <p:spPr>
                       <a:xfrm>
-                        <a:off x="874271" y="3886200"/>
-                        <a:ext cx="2879955" cy="1893163"/>
+                        <a:off x="884100" y="3886199"/>
+                        <a:ext cx="3121586" cy="2052000"/>
                       </a:xfrm>
                       <a:prstGeom prst="rect">
                         <a:avLst/>
@@ -4071,14 +4092,14 @@
           <p:nvPr>
             <p:extLst>
               <p:ext uri="{D42A27DB-BD31-4B8C-83A1-F6EECF244321}">
-                <p14:modId xmlns:p14="http://schemas.microsoft.com/office/powerpoint/2010/main" val="3655859343"/>
+                <p14:modId xmlns:p14="http://schemas.microsoft.com/office/powerpoint/2010/main" val="283380137"/>
               </p:ext>
             </p:extLst>
           </p:nvPr>
         </p:nvGraphicFramePr>
         <p:xfrm>
-          <a:off x="8379619" y="1676632"/>
-          <a:ext cx="2913062" cy="1914926"/>
+          <a:off x="8135371" y="1440000"/>
+          <a:ext cx="3121586" cy="2052000"/>
         </p:xfrm>
         <a:graphic>
           <a:graphicData uri="http://schemas.openxmlformats.org/presentationml/2006/ole">
@@ -4105,8 +4126,8 @@
                     </p:blipFill>
                     <p:spPr>
                       <a:xfrm>
-                        <a:off x="8379619" y="1676632"/>
-                        <a:ext cx="2913062" cy="1914926"/>
+                        <a:off x="8135371" y="1440000"/>
+                        <a:ext cx="3121586" cy="2052000"/>
                       </a:xfrm>
                       <a:prstGeom prst="rect">
                         <a:avLst/>
@@ -4134,14 +4155,14 @@
           <p:nvPr>
             <p:extLst>
               <p:ext uri="{D42A27DB-BD31-4B8C-83A1-F6EECF244321}">
-                <p14:modId xmlns:p14="http://schemas.microsoft.com/office/powerpoint/2010/main" val="1612741960"/>
+                <p14:modId xmlns:p14="http://schemas.microsoft.com/office/powerpoint/2010/main" val="3068724622"/>
               </p:ext>
             </p:extLst>
           </p:nvPr>
         </p:nvGraphicFramePr>
         <p:xfrm>
-          <a:off x="4453756" y="1674043"/>
-          <a:ext cx="2879954" cy="1893162"/>
+          <a:off x="4428000" y="1440000"/>
+          <a:ext cx="3121586" cy="2052000"/>
         </p:xfrm>
         <a:graphic>
           <a:graphicData uri="http://schemas.openxmlformats.org/presentationml/2006/ole">
@@ -4168,8 +4189,8 @@
                     </p:blipFill>
                     <p:spPr>
                       <a:xfrm>
-                        <a:off x="4453756" y="1674043"/>
-                        <a:ext cx="2879954" cy="1893162"/>
+                        <a:off x="4428000" y="1440000"/>
+                        <a:ext cx="3121586" cy="2052000"/>
                       </a:xfrm>
                       <a:prstGeom prst="rect">
                         <a:avLst/>
@@ -4197,14 +4218,14 @@
           <p:nvPr>
             <p:extLst>
               <p:ext uri="{D42A27DB-BD31-4B8C-83A1-F6EECF244321}">
-                <p14:modId xmlns:p14="http://schemas.microsoft.com/office/powerpoint/2010/main" val="379551541"/>
+                <p14:modId xmlns:p14="http://schemas.microsoft.com/office/powerpoint/2010/main" val="2999764625"/>
               </p:ext>
             </p:extLst>
           </p:nvPr>
         </p:nvGraphicFramePr>
         <p:xfrm>
-          <a:off x="853846" y="1676399"/>
-          <a:ext cx="2879954" cy="1893161"/>
+          <a:off x="853844" y="1676398"/>
+          <a:ext cx="3121588" cy="2052000"/>
         </p:xfrm>
         <a:graphic>
           <a:graphicData uri="http://schemas.openxmlformats.org/presentationml/2006/ole">
@@ -4231,8 +4252,146 @@
                     </p:blipFill>
                     <p:spPr>
                       <a:xfrm>
-                        <a:off x="853846" y="1676399"/>
-                        <a:ext cx="2879954" cy="1893161"/>
+                        <a:off x="853844" y="1676398"/>
+                        <a:ext cx="3121588" cy="2052000"/>
+                      </a:xfrm>
+                      <a:prstGeom prst="rect">
+                        <a:avLst/>
+                      </a:prstGeom>
+                    </p:spPr>
+                  </p:pic>
+                </p:oleObj>
+              </mc:Fallback>
+            </mc:AlternateContent>
+          </a:graphicData>
+        </a:graphic>
+      </p:graphicFrame>
+      <p:graphicFrame>
+        <p:nvGraphicFramePr>
+          <p:cNvPr id="2" name="Oggetto 1">
+            <a:extLst>
+              <a:ext uri="{FF2B5EF4-FFF2-40B4-BE49-F238E27FC236}">
+                <a16:creationId xmlns:a16="http://schemas.microsoft.com/office/drawing/2014/main" id="{F2DD3755-0501-E810-9491-09BC3361FEB9}"/>
+              </a:ext>
+            </a:extLst>
+          </p:cNvPr>
+          <p:cNvGraphicFramePr>
+            <a:graphicFrameLocks noChangeAspect="1"/>
+          </p:cNvGraphicFramePr>
+          <p:nvPr>
+            <p:extLst>
+              <p:ext uri="{D42A27DB-BD31-4B8C-83A1-F6EECF244321}">
+                <p14:modId xmlns:p14="http://schemas.microsoft.com/office/powerpoint/2010/main" val="658000584"/>
+              </p:ext>
+            </p:extLst>
+          </p:nvPr>
+        </p:nvGraphicFramePr>
+        <p:xfrm>
+          <a:off x="720000" y="3780000"/>
+          <a:ext cx="3121586" cy="2052000"/>
+        </p:xfrm>
+        <a:graphic>
+          <a:graphicData uri="http://schemas.openxmlformats.org/presentationml/2006/ole">
+            <mc:AlternateContent xmlns:mc="http://schemas.openxmlformats.org/markup-compatibility/2006">
+              <mc:Choice xmlns:v="urn:schemas-microsoft-com:vml" Requires="v">
+                <p:oleObj name="Acrobat Document" r:id="rId4" imgW="4206240" imgH="2765657" progId="Acrobat.Document.DC">
+                  <p:embed/>
+                </p:oleObj>
+              </mc:Choice>
+              <mc:Fallback>
+                <p:oleObj name="Acrobat Document" r:id="rId4" imgW="4206240" imgH="2765657" progId="Acrobat.Document.DC">
+                  <p:embed/>
+                  <p:pic>
+                    <p:nvPicPr>
+                      <p:cNvPr id="6" name="Oggetto 5">
+                        <a:extLst>
+                          <a:ext uri="{FF2B5EF4-FFF2-40B4-BE49-F238E27FC236}">
+                            <a16:creationId xmlns:a16="http://schemas.microsoft.com/office/drawing/2014/main" id="{025DC53D-AFE5-617B-D912-42B043B4D5AD}"/>
+                          </a:ext>
+                        </a:extLst>
+                      </p:cNvPr>
+                      <p:cNvPicPr/>
+                      <p:nvPr/>
+                    </p:nvPicPr>
+                    <p:blipFill>
+                      <a:blip r:embed="rId5"/>
+                      <a:stretch>
+                        <a:fillRect/>
+                      </a:stretch>
+                    </p:blipFill>
+                    <p:spPr>
+                      <a:xfrm>
+                        <a:off x="720000" y="3780000"/>
+                        <a:ext cx="3121586" cy="2052000"/>
+                      </a:xfrm>
+                      <a:prstGeom prst="rect">
+                        <a:avLst/>
+                      </a:prstGeom>
+                    </p:spPr>
+                  </p:pic>
+                </p:oleObj>
+              </mc:Fallback>
+            </mc:AlternateContent>
+          </a:graphicData>
+        </a:graphic>
+      </p:graphicFrame>
+      <p:graphicFrame>
+        <p:nvGraphicFramePr>
+          <p:cNvPr id="5" name="Oggetto 4">
+            <a:extLst>
+              <a:ext uri="{FF2B5EF4-FFF2-40B4-BE49-F238E27FC236}">
+                <a16:creationId xmlns:a16="http://schemas.microsoft.com/office/drawing/2014/main" id="{B60BA417-5858-E6B8-90F7-CFC355D7AA92}"/>
+              </a:ext>
+            </a:extLst>
+          </p:cNvPr>
+          <p:cNvGraphicFramePr>
+            <a:graphicFrameLocks noChangeAspect="1"/>
+          </p:cNvGraphicFramePr>
+          <p:nvPr>
+            <p:extLst>
+              <p:ext uri="{D42A27DB-BD31-4B8C-83A1-F6EECF244321}">
+                <p14:modId xmlns:p14="http://schemas.microsoft.com/office/powerpoint/2010/main" val="3653338492"/>
+              </p:ext>
+            </p:extLst>
+          </p:nvPr>
+        </p:nvGraphicFramePr>
+        <p:xfrm>
+          <a:off x="720000" y="1440000"/>
+          <a:ext cx="3121588" cy="2052000"/>
+        </p:xfrm>
+        <a:graphic>
+          <a:graphicData uri="http://schemas.openxmlformats.org/presentationml/2006/ole">
+            <mc:AlternateContent xmlns:mc="http://schemas.openxmlformats.org/markup-compatibility/2006">
+              <mc:Choice xmlns:v="urn:schemas-microsoft-com:vml" Requires="v">
+                <p:oleObj name="Acrobat Document" r:id="rId10" imgW="4206240" imgH="2765657" progId="Acrobat.Document.DC">
+                  <p:embed/>
+                </p:oleObj>
+              </mc:Choice>
+              <mc:Fallback>
+                <p:oleObj name="Acrobat Document" r:id="rId10" imgW="4206240" imgH="2765657" progId="Acrobat.Document.DC">
+                  <p:embed/>
+                  <p:pic>
+                    <p:nvPicPr>
+                      <p:cNvPr id="14" name="Oggetto 13">
+                        <a:extLst>
+                          <a:ext uri="{FF2B5EF4-FFF2-40B4-BE49-F238E27FC236}">
+                            <a16:creationId xmlns:a16="http://schemas.microsoft.com/office/drawing/2014/main" id="{D869B6B1-8DE7-220E-9188-67A975513E4C}"/>
+                          </a:ext>
+                        </a:extLst>
+                      </p:cNvPr>
+                      <p:cNvPicPr/>
+                      <p:nvPr/>
+                    </p:nvPicPr>
+                    <p:blipFill>
+                      <a:blip r:embed="rId11"/>
+                      <a:stretch>
+                        <a:fillRect/>
+                      </a:stretch>
+                    </p:blipFill>
+                    <p:spPr>
+                      <a:xfrm>
+                        <a:off x="720000" y="1440000"/>
+                        <a:ext cx="3121588" cy="2052000"/>
                       </a:xfrm>
                       <a:prstGeom prst="rect">
                         <a:avLst/>
@@ -4344,14 +4503,14 @@
           <p:nvPr>
             <p:extLst>
               <p:ext uri="{D42A27DB-BD31-4B8C-83A1-F6EECF244321}">
-                <p14:modId xmlns:p14="http://schemas.microsoft.com/office/powerpoint/2010/main" val="1217279213"/>
+                <p14:modId xmlns:p14="http://schemas.microsoft.com/office/powerpoint/2010/main" val="2360014065"/>
               </p:ext>
             </p:extLst>
           </p:nvPr>
         </p:nvGraphicFramePr>
         <p:xfrm>
-          <a:off x="822324" y="1391840"/>
-          <a:ext cx="3292475" cy="2164336"/>
+          <a:off x="720000" y="1440000"/>
+          <a:ext cx="3121584" cy="2052000"/>
         </p:xfrm>
         <a:graphic>
           <a:graphicData uri="http://schemas.openxmlformats.org/presentationml/2006/ole">
@@ -4378,8 +4537,8 @@
                     </p:blipFill>
                     <p:spPr>
                       <a:xfrm>
-                        <a:off x="822324" y="1391840"/>
-                        <a:ext cx="3292475" cy="2164336"/>
+                        <a:off x="720000" y="1440000"/>
+                        <a:ext cx="3121584" cy="2052000"/>
                       </a:xfrm>
                       <a:prstGeom prst="rect">
                         <a:avLst/>
@@ -4407,25 +4566,25 @@
           <p:nvPr>
             <p:extLst>
               <p:ext uri="{D42A27DB-BD31-4B8C-83A1-F6EECF244321}">
-                <p14:modId xmlns:p14="http://schemas.microsoft.com/office/powerpoint/2010/main" val="1986023641"/>
+                <p14:modId xmlns:p14="http://schemas.microsoft.com/office/powerpoint/2010/main" val="2814357279"/>
               </p:ext>
             </p:extLst>
           </p:nvPr>
         </p:nvGraphicFramePr>
         <p:xfrm>
-          <a:off x="4724399" y="1552547"/>
-          <a:ext cx="3048000" cy="2003629"/>
+          <a:off x="4428000" y="1440000"/>
+          <a:ext cx="3121025" cy="2052638"/>
         </p:xfrm>
         <a:graphic>
           <a:graphicData uri="http://schemas.openxmlformats.org/presentationml/2006/ole">
             <mc:AlternateContent xmlns:mc="http://schemas.openxmlformats.org/markup-compatibility/2006">
               <mc:Choice xmlns:v="urn:schemas-microsoft-com:vml" Requires="v">
-                <p:oleObj name="Acrobat Document" r:id="rId4" imgW="4206240" imgH="2765657" progId="Acrobat.Document.DC">
+                <p:oleObj name="Acrobat Document" r:id="rId4" imgW="4206240" imgH="2766240" progId="Acrobat.Document.DC">
                   <p:embed/>
                 </p:oleObj>
               </mc:Choice>
               <mc:Fallback>
-                <p:oleObj name="Acrobat Document" r:id="rId4" imgW="4206240" imgH="2765657" progId="Acrobat.Document.DC">
+                <p:oleObj name="Acrobat Document" r:id="rId4" imgW="4206240" imgH="2766240" progId="Acrobat.Document.DC">
                   <p:embed/>
                   <p:pic>
                     <p:nvPicPr>
@@ -4447,8 +4606,8 @@
                     </p:blipFill>
                     <p:spPr>
                       <a:xfrm>
-                        <a:off x="4724399" y="1552547"/>
-                        <a:ext cx="3048000" cy="2003629"/>
+                        <a:off x="4428000" y="1440000"/>
+                        <a:ext cx="3121025" cy="2052638"/>
                       </a:xfrm>
                       <a:prstGeom prst="rect">
                         <a:avLst/>
@@ -4476,14 +4635,14 @@
           <p:nvPr>
             <p:extLst>
               <p:ext uri="{D42A27DB-BD31-4B8C-83A1-F6EECF244321}">
-                <p14:modId xmlns:p14="http://schemas.microsoft.com/office/powerpoint/2010/main" val="925563309"/>
+                <p14:modId xmlns:p14="http://schemas.microsoft.com/office/powerpoint/2010/main" val="2939126761"/>
               </p:ext>
             </p:extLst>
           </p:nvPr>
         </p:nvGraphicFramePr>
         <p:xfrm>
-          <a:off x="4724399" y="3810000"/>
-          <a:ext cx="3048000" cy="2003629"/>
+          <a:off x="4428000" y="3780000"/>
+          <a:ext cx="3121584" cy="2052000"/>
         </p:xfrm>
         <a:graphic>
           <a:graphicData uri="http://schemas.openxmlformats.org/presentationml/2006/ole">
@@ -4516,8 +4675,8 @@
                     </p:blipFill>
                     <p:spPr>
                       <a:xfrm>
-                        <a:off x="4724399" y="3810000"/>
-                        <a:ext cx="3048000" cy="2003629"/>
+                        <a:off x="4428000" y="3780000"/>
+                        <a:ext cx="3121584" cy="2052000"/>
                       </a:xfrm>
                       <a:prstGeom prst="rect">
                         <a:avLst/>
@@ -4545,14 +4704,14 @@
           <p:nvPr>
             <p:extLst>
               <p:ext uri="{D42A27DB-BD31-4B8C-83A1-F6EECF244321}">
-                <p14:modId xmlns:p14="http://schemas.microsoft.com/office/powerpoint/2010/main" val="1765966942"/>
+                <p14:modId xmlns:p14="http://schemas.microsoft.com/office/powerpoint/2010/main" val="3869722635"/>
               </p:ext>
             </p:extLst>
           </p:nvPr>
         </p:nvGraphicFramePr>
         <p:xfrm>
-          <a:off x="1028584" y="3810000"/>
-          <a:ext cx="3086215" cy="2028749"/>
+          <a:off x="720000" y="3780000"/>
+          <a:ext cx="3121585" cy="2052000"/>
         </p:xfrm>
         <a:graphic>
           <a:graphicData uri="http://schemas.openxmlformats.org/presentationml/2006/ole">
@@ -4585,8 +4744,8 @@
                     </p:blipFill>
                     <p:spPr>
                       <a:xfrm>
-                        <a:off x="1028584" y="3810000"/>
-                        <a:ext cx="3086215" cy="2028749"/>
+                        <a:off x="720000" y="3780000"/>
+                        <a:ext cx="3121585" cy="2052000"/>
                       </a:xfrm>
                       <a:prstGeom prst="rect">
                         <a:avLst/>
@@ -4614,14 +4773,14 @@
           <p:nvPr>
             <p:extLst>
               <p:ext uri="{D42A27DB-BD31-4B8C-83A1-F6EECF244321}">
-                <p14:modId xmlns:p14="http://schemas.microsoft.com/office/powerpoint/2010/main" val="2457102312"/>
+                <p14:modId xmlns:p14="http://schemas.microsoft.com/office/powerpoint/2010/main" val="3927038359"/>
               </p:ext>
             </p:extLst>
           </p:nvPr>
         </p:nvGraphicFramePr>
         <p:xfrm>
-          <a:off x="8077203" y="3429000"/>
-          <a:ext cx="3956112" cy="2600584"/>
+          <a:off x="7920000" y="3600000"/>
+          <a:ext cx="3833524" cy="2520000"/>
         </p:xfrm>
         <a:graphic>
           <a:graphicData uri="http://schemas.openxmlformats.org/presentationml/2006/ole">
@@ -4648,8 +4807,8 @@
                     </p:blipFill>
                     <p:spPr>
                       <a:xfrm>
-                        <a:off x="8077203" y="3429000"/>
-                        <a:ext cx="3956112" cy="2600584"/>
+                        <a:off x="7920000" y="3600000"/>
+                        <a:ext cx="3833524" cy="2520000"/>
                       </a:xfrm>
                       <a:prstGeom prst="rect">
                         <a:avLst/>
@@ -4700,7 +4859,7 @@
         </p:nvSpPr>
         <p:spPr>
           <a:xfrm>
-            <a:off x="853846" y="1828800"/>
+            <a:off x="853846" y="1800000"/>
             <a:ext cx="9643745" cy="3310009"/>
           </a:xfrm>
           <a:prstGeom prst="rect">
@@ -5154,7 +5313,7 @@
         </p:blipFill>
         <p:spPr>
           <a:xfrm>
-            <a:off x="7086600" y="2057400"/>
+            <a:off x="7315200" y="1172877"/>
             <a:ext cx="4876800" cy="3924848"/>
           </a:xfrm>
           <a:prstGeom prst="rect">
@@ -5162,8 +5321,8 @@
           </a:prstGeom>
         </p:spPr>
       </p:pic>
-      <mc:AlternateContent xmlns:mc="http://schemas.openxmlformats.org/markup-compatibility/2006">
-        <mc:Choice xmlns:a14="http://schemas.microsoft.com/office/drawing/2010/main" Requires="a14">
+      <mc:AlternateContent xmlns:mc="http://schemas.openxmlformats.org/markup-compatibility/2006" xmlns:a14="http://schemas.microsoft.com/office/drawing/2010/main">
+        <mc:Choice Requires="a14">
           <p:sp>
             <p:nvSpPr>
               <p:cNvPr id="5" name="object 3">
@@ -5180,7 +5339,7 @@
             </p:nvSpPr>
             <p:spPr>
               <a:xfrm>
-                <a:off x="853846" y="1524000"/>
+                <a:off x="853200" y="1800000"/>
                 <a:ext cx="6682884" cy="2670603"/>
               </a:xfrm>
               <a:prstGeom prst="rect">
@@ -5619,7 +5778,7 @@
             </p:txBody>
           </p:sp>
         </mc:Choice>
-        <mc:Fallback>
+        <mc:Fallback xmlns="">
           <p:sp>
             <p:nvSpPr>
               <p:cNvPr id="5" name="object 3">
@@ -5636,7 +5795,7 @@
             </p:nvSpPr>
             <p:spPr>
               <a:xfrm>
-                <a:off x="853846" y="1524000"/>
+                <a:off x="853200" y="1800000"/>
                 <a:ext cx="6682884" cy="2670603"/>
               </a:xfrm>
               <a:prstGeom prst="rect">
@@ -5645,7 +5804,7 @@
               <a:blipFill>
                 <a:blip r:embed="rId3"/>
                 <a:stretch>
-                  <a:fillRect l="-2372" t="-2740" r="-365" b="-2055"/>
+                  <a:fillRect l="-2464" t="-2740" r="-365" b="-2055"/>
                 </a:stretch>
               </a:blipFill>
             </p:spPr>
@@ -5778,8 +5937,8 @@
         </p:nvSpPr>
         <p:spPr>
           <a:xfrm>
-            <a:off x="860917" y="1600200"/>
-            <a:ext cx="4293758" cy="1247136"/>
+            <a:off x="853846" y="1800000"/>
+            <a:ext cx="4293758" cy="1629292"/>
           </a:xfrm>
           <a:prstGeom prst="rect">
             <a:avLst/>
@@ -5837,6 +5996,17 @@
               </a:rPr>
               <a:t>selected</a:t>
             </a:r>
+            <a:endParaRPr lang="it-IT" sz="2400" kern="0" dirty="0">
+              <a:latin typeface="Arial"/>
+              <a:cs typeface="Arial"/>
+            </a:endParaRPr>
+          </a:p>
+          <a:p>
+            <a:pPr marL="12700">
+              <a:spcBef>
+                <a:spcPts val="105"/>
+              </a:spcBef>
+            </a:pPr>
             <a:endParaRPr lang="it-IT" sz="2400" kern="0" dirty="0">
               <a:latin typeface="Arial"/>
               <a:cs typeface="Arial"/>
@@ -5995,7 +6165,7 @@
         </p:blipFill>
         <p:spPr>
           <a:xfrm>
-            <a:off x="6062221" y="1219200"/>
+            <a:off x="6660000" y="1080000"/>
             <a:ext cx="4750957" cy="4805886"/>
           </a:xfrm>
           <a:prstGeom prst="rect">
@@ -6051,43 +6221,47 @@
         </p:nvSpPr>
         <p:spPr>
           <a:xfrm>
-            <a:off x="842262" y="482930"/>
-            <a:ext cx="5329937" cy="677108"/>
+            <a:off x="853200" y="536400"/>
+            <a:ext cx="5329937" cy="538609"/>
           </a:xfrm>
         </p:spPr>
         <p:txBody>
           <a:bodyPr/>
           <a:lstStyle/>
           <a:p>
-            <a:r>
-              <a:rPr lang="it-IT" sz="4400" b="1" dirty="0" err="1">
+            <a:pPr marL="12700">
+              <a:spcBef>
+                <a:spcPts val="105"/>
+              </a:spcBef>
+            </a:pPr>
+            <a:r>
+              <a:rPr lang="it-IT" sz="3500" b="1" dirty="0" err="1">
                 <a:latin typeface="Arial"/>
                 <a:cs typeface="Arial"/>
               </a:rPr>
               <a:t>Forward</a:t>
             </a:r>
             <a:r>
-              <a:rPr lang="it-IT" sz="4400" b="1" dirty="0">
+              <a:rPr lang="it-IT" sz="3500" b="1" dirty="0">
                 <a:latin typeface="Arial"/>
                 <a:cs typeface="Arial"/>
               </a:rPr>
               <a:t> </a:t>
             </a:r>
             <a:r>
-              <a:rPr lang="it-IT" sz="4400" b="1" dirty="0" err="1">
+              <a:rPr lang="it-IT" sz="3500" b="1" dirty="0" err="1">
                 <a:latin typeface="Arial"/>
                 <a:cs typeface="Arial"/>
               </a:rPr>
               <a:t>stepwise</a:t>
             </a:r>
             <a:r>
-              <a:rPr lang="it-IT" sz="4400" b="1" dirty="0">
+              <a:rPr lang="it-IT" sz="3500" b="1" dirty="0">
                 <a:latin typeface="Arial"/>
                 <a:cs typeface="Arial"/>
               </a:rPr>
               <a:t> 2  </a:t>
             </a:r>
-            <a:endParaRPr lang="it-IT" dirty="0"/>
           </a:p>
         </p:txBody>
       </p:sp>
@@ -6112,7 +6286,7 @@
         </p:blipFill>
         <p:spPr>
           <a:xfrm>
-            <a:off x="7162801" y="1676400"/>
+            <a:off x="6912000" y="1339708"/>
             <a:ext cx="3886200" cy="4178583"/>
           </a:xfrm>
           <a:prstGeom prst="rect">
@@ -6134,7 +6308,7 @@
         </p:nvSpPr>
         <p:spPr>
           <a:xfrm>
-            <a:off x="1524000" y="1842832"/>
+            <a:off x="853200" y="1800000"/>
             <a:ext cx="5329937" cy="1846659"/>
           </a:xfrm>
           <a:prstGeom prst="rect">
@@ -6334,8 +6508,8 @@
         </p:nvSpPr>
         <p:spPr>
           <a:xfrm>
-            <a:off x="842262" y="482930"/>
-            <a:ext cx="5329937" cy="677108"/>
+            <a:off x="853200" y="536400"/>
+            <a:ext cx="5329937" cy="538609"/>
           </a:xfrm>
         </p:spPr>
         <p:txBody>
@@ -6343,34 +6517,33 @@
           <a:lstStyle/>
           <a:p>
             <a:r>
-              <a:rPr lang="it-IT" sz="4400" b="1" dirty="0" err="1">
+              <a:rPr lang="it-IT" sz="3500" b="1" dirty="0" err="1">
                 <a:latin typeface="Arial"/>
                 <a:cs typeface="Arial"/>
               </a:rPr>
               <a:t>Forward</a:t>
             </a:r>
             <a:r>
-              <a:rPr lang="it-IT" sz="4400" b="1" dirty="0">
+              <a:rPr lang="it-IT" sz="3500" b="1" dirty="0">
                 <a:latin typeface="Arial"/>
                 <a:cs typeface="Arial"/>
               </a:rPr>
               <a:t> </a:t>
             </a:r>
             <a:r>
-              <a:rPr lang="it-IT" sz="4400" b="1" dirty="0" err="1">
+              <a:rPr lang="it-IT" sz="3500" b="1" dirty="0" err="1">
                 <a:latin typeface="Arial"/>
                 <a:cs typeface="Arial"/>
               </a:rPr>
               <a:t>stepwise</a:t>
             </a:r>
             <a:r>
-              <a:rPr lang="it-IT" sz="4400" b="1" dirty="0">
+              <a:rPr lang="it-IT" sz="3500" b="1" dirty="0">
                 <a:latin typeface="Arial"/>
                 <a:cs typeface="Arial"/>
               </a:rPr>
               <a:t> 3  </a:t>
             </a:r>
-            <a:endParaRPr lang="it-IT" dirty="0"/>
           </a:p>
         </p:txBody>
       </p:sp>
@@ -6388,7 +6561,7 @@
         </p:nvSpPr>
         <p:spPr>
           <a:xfrm>
-            <a:off x="1066800" y="1951672"/>
+            <a:off x="853200" y="1800000"/>
             <a:ext cx="5329937" cy="1846659"/>
           </a:xfrm>
           <a:prstGeom prst="rect">
@@ -6641,7 +6814,7 @@
         </p:nvSpPr>
         <p:spPr>
           <a:xfrm>
-            <a:off x="853846" y="1828800"/>
+            <a:off x="853846" y="1800000"/>
             <a:ext cx="9643745" cy="3310009"/>
           </a:xfrm>
           <a:prstGeom prst="rect">
@@ -7001,8 +7174,8 @@
         </p:nvSpPr>
         <p:spPr>
           <a:xfrm>
-            <a:off x="842262" y="482930"/>
-            <a:ext cx="5329937" cy="677108"/>
+            <a:off x="853200" y="536400"/>
+            <a:ext cx="5329937" cy="538609"/>
           </a:xfrm>
         </p:spPr>
         <p:txBody>
@@ -7010,27 +7183,26 @@
           <a:lstStyle/>
           <a:p>
             <a:r>
-              <a:rPr lang="it-IT" sz="4400" b="1" dirty="0">
+              <a:rPr lang="it-IT" sz="3500" b="1" dirty="0">
                 <a:latin typeface="Arial"/>
                 <a:cs typeface="Arial"/>
               </a:rPr>
               <a:t>Forward </a:t>
             </a:r>
             <a:r>
-              <a:rPr lang="it-IT" sz="4400" b="1" dirty="0" err="1">
+              <a:rPr lang="it-IT" sz="3500" b="1" dirty="0" err="1">
                 <a:latin typeface="Arial"/>
                 <a:cs typeface="Arial"/>
               </a:rPr>
               <a:t>stepwise</a:t>
             </a:r>
             <a:r>
-              <a:rPr lang="it-IT" sz="4400" b="1" dirty="0">
+              <a:rPr lang="it-IT" sz="3500" b="1" dirty="0">
                 <a:latin typeface="Arial"/>
                 <a:cs typeface="Arial"/>
               </a:rPr>
               <a:t> 4  </a:t>
             </a:r>
-            <a:endParaRPr lang="it-IT" dirty="0"/>
           </a:p>
         </p:txBody>
       </p:sp>
@@ -7062,7 +7234,7 @@
         </p:blipFill>
         <p:spPr>
           <a:xfrm>
-            <a:off x="1905000" y="1443104"/>
+            <a:off x="1800000" y="1440000"/>
             <a:ext cx="3867650" cy="4448562"/>
           </a:xfrm>
           <a:prstGeom prst="rect">
@@ -7098,7 +7270,7 @@
         </p:blipFill>
         <p:spPr>
           <a:xfrm>
-            <a:off x="6705600" y="1620625"/>
+            <a:off x="6524352" y="1620000"/>
             <a:ext cx="3733800" cy="4294608"/>
           </a:xfrm>
           <a:prstGeom prst="rect">
@@ -7218,7 +7390,7 @@
         </p:blipFill>
         <p:spPr>
           <a:xfrm>
-            <a:off x="6595029" y="1567694"/>
+            <a:off x="6607437" y="1620000"/>
             <a:ext cx="4311136" cy="4360980"/>
           </a:xfrm>
           <a:prstGeom prst="rect">
@@ -7240,7 +7412,7 @@
         </p:nvSpPr>
         <p:spPr>
           <a:xfrm>
-            <a:off x="7340897" y="1130133"/>
+            <a:off x="7353305" y="1188000"/>
             <a:ext cx="2819400" cy="461665"/>
           </a:xfrm>
           <a:prstGeom prst="rect">
@@ -7297,7 +7469,7 @@
         </p:blipFill>
         <p:spPr>
           <a:xfrm>
-            <a:off x="1801545" y="1567694"/>
+            <a:off x="1801545" y="1620000"/>
             <a:ext cx="4207137" cy="4223506"/>
           </a:xfrm>
           <a:prstGeom prst="rect">
@@ -7319,7 +7491,7 @@
         </p:nvSpPr>
         <p:spPr>
           <a:xfrm>
-            <a:off x="2400300" y="1187149"/>
+            <a:off x="2495413" y="1188000"/>
             <a:ext cx="2819400" cy="461665"/>
           </a:xfrm>
           <a:prstGeom prst="rect">
@@ -7446,13 +7618,13 @@
           <p:nvPr>
             <p:extLst>
               <p:ext uri="{D42A27DB-BD31-4B8C-83A1-F6EECF244321}">
-                <p14:modId xmlns:p14="http://schemas.microsoft.com/office/powerpoint/2010/main" val="2826445037"/>
+                <p14:modId xmlns:p14="http://schemas.microsoft.com/office/powerpoint/2010/main" val="1905241882"/>
               </p:ext>
             </p:extLst>
           </p:nvPr>
         </p:nvGraphicFramePr>
         <p:xfrm>
-          <a:off x="925926" y="1371600"/>
+          <a:off x="585085" y="1350000"/>
           <a:ext cx="5170074" cy="3657600"/>
         </p:xfrm>
         <a:graphic>
@@ -7480,7 +7652,7 @@
                     </p:blipFill>
                     <p:spPr>
                       <a:xfrm>
-                        <a:off x="925926" y="1371600"/>
+                        <a:off x="585085" y="1350000"/>
                         <a:ext cx="5170074" cy="3657600"/>
                       </a:xfrm>
                       <a:prstGeom prst="rect">
@@ -7509,13 +7681,13 @@
           <p:nvPr>
             <p:extLst>
               <p:ext uri="{D42A27DB-BD31-4B8C-83A1-F6EECF244321}">
-                <p14:modId xmlns:p14="http://schemas.microsoft.com/office/powerpoint/2010/main" val="3903775057"/>
+                <p14:modId xmlns:p14="http://schemas.microsoft.com/office/powerpoint/2010/main" val="2145686925"/>
               </p:ext>
             </p:extLst>
           </p:nvPr>
         </p:nvGraphicFramePr>
         <p:xfrm>
-          <a:off x="6858000" y="1421431"/>
+          <a:off x="6436842" y="1350000"/>
           <a:ext cx="5029200" cy="3557938"/>
         </p:xfrm>
         <a:graphic>
@@ -7543,7 +7715,7 @@
                     </p:blipFill>
                     <p:spPr>
                       <a:xfrm>
-                        <a:off x="6858000" y="1421431"/>
+                        <a:off x="6436842" y="1350000"/>
                         <a:ext cx="5029200" cy="3557938"/>
                       </a:xfrm>
                       <a:prstGeom prst="rect">
@@ -7557,8 +7729,8 @@
           </a:graphicData>
         </a:graphic>
       </p:graphicFrame>
-      <mc:AlternateContent xmlns:mc="http://schemas.openxmlformats.org/markup-compatibility/2006">
-        <mc:Choice xmlns:a14="http://schemas.microsoft.com/office/drawing/2010/main" Requires="a14">
+      <mc:AlternateContent xmlns:mc="http://schemas.openxmlformats.org/markup-compatibility/2006" xmlns:a14="http://schemas.microsoft.com/office/drawing/2010/main">
+        <mc:Choice Requires="a14">
           <p:sp>
             <p:nvSpPr>
               <p:cNvPr id="11" name="CasellaDiTesto 10">
@@ -7573,7 +7745,7 @@
             </p:nvSpPr>
             <p:spPr>
               <a:xfrm>
-                <a:off x="6858000" y="4979369"/>
+                <a:off x="7579842" y="4950032"/>
                 <a:ext cx="2743200" cy="390748"/>
               </a:xfrm>
               <a:prstGeom prst="rect">
@@ -7587,6 +7759,7 @@
               </a:bodyPr>
               <a:lstStyle/>
               <a:p>
+                <a:pPr/>
                 <a14:m>
                   <m:oMathPara xmlns:m="http://schemas.openxmlformats.org/officeDocument/2006/math">
                     <m:oMathParaPr>
@@ -7636,7 +7809,7 @@
             </p:txBody>
           </p:sp>
         </mc:Choice>
-        <mc:Fallback>
+        <mc:Fallback xmlns="">
           <p:sp>
             <p:nvSpPr>
               <p:cNvPr id="11" name="CasellaDiTesto 10">
@@ -7653,7 +7826,7 @@
             </p:nvSpPr>
             <p:spPr>
               <a:xfrm>
-                <a:off x="6858000" y="4979369"/>
+                <a:off x="7579842" y="4950032"/>
                 <a:ext cx="2743200" cy="390748"/>
               </a:xfrm>
               <a:prstGeom prst="rect">
@@ -7695,8 +7868,8 @@
         </p:nvSpPr>
         <p:spPr>
           <a:xfrm>
-            <a:off x="7467600" y="5394470"/>
-            <a:ext cx="2305439" cy="338554"/>
+            <a:off x="4411083" y="5400000"/>
+            <a:ext cx="3369833" cy="461665"/>
           </a:xfrm>
           <a:prstGeom prst="rect">
             <a:avLst/>
@@ -7710,36 +7883,56 @@
           <a:lstStyle/>
           <a:p>
             <a:r>
-              <a:rPr lang="it-IT" sz="1600" dirty="0">
-                <a:latin typeface="Arial" panose="020B0604020202020204" pitchFamily="34" charset="0"/>
-                <a:cs typeface="Arial" panose="020B0604020202020204" pitchFamily="34" charset="0"/>
+              <a:rPr lang="it-IT" sz="2400" dirty="0">
+                <a:solidFill>
+                  <a:srgbClr val="172542"/>
+                </a:solidFill>
+                <a:latin typeface="Arial"/>
+                <a:ea typeface="+mj-ea"/>
+                <a:cs typeface="Arial"/>
               </a:rPr>
               <a:t>No </a:t>
             </a:r>
             <a:r>
-              <a:rPr lang="it-IT" sz="1600" dirty="0" err="1">
-                <a:latin typeface="Arial" panose="020B0604020202020204" pitchFamily="34" charset="0"/>
-                <a:cs typeface="Arial" panose="020B0604020202020204" pitchFamily="34" charset="0"/>
+              <a:rPr lang="it-IT" sz="2400" dirty="0" err="1">
+                <a:solidFill>
+                  <a:srgbClr val="172542"/>
+                </a:solidFill>
+                <a:latin typeface="Arial"/>
+                <a:ea typeface="+mj-ea"/>
+                <a:cs typeface="Arial"/>
               </a:rPr>
               <a:t>selection</a:t>
             </a:r>
             <a:r>
-              <a:rPr lang="it-IT" sz="1600" dirty="0">
-                <a:latin typeface="Arial" panose="020B0604020202020204" pitchFamily="34" charset="0"/>
-                <a:cs typeface="Arial" panose="020B0604020202020204" pitchFamily="34" charset="0"/>
+              <a:rPr lang="it-IT" sz="2400" dirty="0">
+                <a:solidFill>
+                  <a:srgbClr val="172542"/>
+                </a:solidFill>
+                <a:latin typeface="Arial"/>
+                <a:ea typeface="+mj-ea"/>
+                <a:cs typeface="Arial"/>
               </a:rPr>
               <a:t> </a:t>
             </a:r>
             <a:r>
-              <a:rPr lang="it-IT" sz="1600" dirty="0" err="1">
-                <a:latin typeface="Arial" panose="020B0604020202020204" pitchFamily="34" charset="0"/>
-                <a:cs typeface="Arial" panose="020B0604020202020204" pitchFamily="34" charset="0"/>
+              <a:rPr lang="it-IT" sz="2400" dirty="0" err="1">
+                <a:solidFill>
+                  <a:srgbClr val="172542"/>
+                </a:solidFill>
+                <a:latin typeface="Arial"/>
+                <a:ea typeface="+mj-ea"/>
+                <a:cs typeface="Arial"/>
               </a:rPr>
               <a:t>performed</a:t>
             </a:r>
-            <a:endParaRPr lang="it-IT" sz="1600" dirty="0">
-              <a:latin typeface="Arial" panose="020B0604020202020204" pitchFamily="34" charset="0"/>
-              <a:cs typeface="Arial" panose="020B0604020202020204" pitchFamily="34" charset="0"/>
+            <a:endParaRPr lang="it-IT" sz="2400" dirty="0">
+              <a:solidFill>
+                <a:srgbClr val="172542"/>
+              </a:solidFill>
+              <a:latin typeface="Arial"/>
+              <a:ea typeface="+mj-ea"/>
+              <a:cs typeface="Arial"/>
             </a:endParaRPr>
           </a:p>
         </p:txBody>
@@ -7792,8 +7985,8 @@
         </p:nvSpPr>
         <p:spPr>
           <a:xfrm>
-            <a:off x="842262" y="482930"/>
-            <a:ext cx="5329937" cy="677108"/>
+            <a:off x="853200" y="536400"/>
+            <a:ext cx="5329937" cy="538609"/>
           </a:xfrm>
         </p:spPr>
         <p:txBody>
@@ -7801,13 +7994,12 @@
           <a:lstStyle/>
           <a:p>
             <a:r>
-              <a:rPr lang="it-IT" sz="4400" b="1" dirty="0">
+              <a:rPr lang="it-IT" sz="3500" b="1" dirty="0">
                 <a:latin typeface="Arial"/>
                 <a:cs typeface="Arial"/>
               </a:rPr>
               <a:t>Lasso regression</a:t>
             </a:r>
-            <a:endParaRPr lang="it-IT" dirty="0"/>
           </a:p>
         </p:txBody>
       </p:sp>
@@ -7826,13 +8018,13 @@
           <p:nvPr>
             <p:extLst>
               <p:ext uri="{D42A27DB-BD31-4B8C-83A1-F6EECF244321}">
-                <p14:modId xmlns:p14="http://schemas.microsoft.com/office/powerpoint/2010/main" val="3493560395"/>
+                <p14:modId xmlns:p14="http://schemas.microsoft.com/office/powerpoint/2010/main" val="1370671314"/>
               </p:ext>
             </p:extLst>
           </p:nvPr>
         </p:nvGraphicFramePr>
         <p:xfrm>
-          <a:off x="957349" y="1328138"/>
+          <a:off x="586800" y="1350000"/>
           <a:ext cx="5214850" cy="3689277"/>
         </p:xfrm>
         <a:graphic>
@@ -7860,7 +8052,7 @@
                     </p:blipFill>
                     <p:spPr>
                       <a:xfrm>
-                        <a:off x="957349" y="1328138"/>
+                        <a:off x="586800" y="1350000"/>
                         <a:ext cx="5214850" cy="3689277"/>
                       </a:xfrm>
                       <a:prstGeom prst="rect">
@@ -7889,13 +8081,13 @@
           <p:nvPr>
             <p:extLst>
               <p:ext uri="{D42A27DB-BD31-4B8C-83A1-F6EECF244321}">
-                <p14:modId xmlns:p14="http://schemas.microsoft.com/office/powerpoint/2010/main" val="338122160"/>
+                <p14:modId xmlns:p14="http://schemas.microsoft.com/office/powerpoint/2010/main" val="3749956769"/>
               </p:ext>
             </p:extLst>
           </p:nvPr>
         </p:nvGraphicFramePr>
         <p:xfrm>
-          <a:off x="6781800" y="1502268"/>
+          <a:off x="6436800" y="1350000"/>
           <a:ext cx="4876800" cy="3450122"/>
         </p:xfrm>
         <a:graphic>
@@ -7923,7 +8115,7 @@
                     </p:blipFill>
                     <p:spPr>
                       <a:xfrm>
-                        <a:off x="6781800" y="1502268"/>
+                        <a:off x="6436800" y="1350000"/>
                         <a:ext cx="4876800" cy="3450122"/>
                       </a:xfrm>
                       <a:prstGeom prst="rect">
@@ -7937,8 +8129,8 @@
           </a:graphicData>
         </a:graphic>
       </p:graphicFrame>
-      <mc:AlternateContent xmlns:mc="http://schemas.openxmlformats.org/markup-compatibility/2006">
-        <mc:Choice xmlns:a14="http://schemas.microsoft.com/office/drawing/2010/main" Requires="a14">
+      <mc:AlternateContent xmlns:mc="http://schemas.openxmlformats.org/markup-compatibility/2006" xmlns:a14="http://schemas.microsoft.com/office/drawing/2010/main">
+        <mc:Choice Requires="a14">
           <p:sp>
             <p:nvSpPr>
               <p:cNvPr id="8" name="CasellaDiTesto 7">
@@ -7953,7 +8145,7 @@
             </p:nvSpPr>
             <p:spPr>
               <a:xfrm>
-                <a:off x="6858000" y="4979369"/>
+                <a:off x="7503600" y="4950000"/>
                 <a:ext cx="2743200" cy="390748"/>
               </a:xfrm>
               <a:prstGeom prst="rect">
@@ -7967,6 +8159,7 @@
               </a:bodyPr>
               <a:lstStyle/>
               <a:p>
+                <a:pPr/>
                 <a14:m>
                   <m:oMathPara xmlns:m="http://schemas.openxmlformats.org/officeDocument/2006/math">
                     <m:oMathParaPr>
@@ -8016,7 +8209,7 @@
             </p:txBody>
           </p:sp>
         </mc:Choice>
-        <mc:Fallback>
+        <mc:Fallback xmlns="">
           <p:sp>
             <p:nvSpPr>
               <p:cNvPr id="8" name="CasellaDiTesto 7">
@@ -8033,7 +8226,7 @@
             </p:nvSpPr>
             <p:spPr>
               <a:xfrm>
-                <a:off x="6858000" y="4979369"/>
+                <a:off x="7503600" y="4950000"/>
                 <a:ext cx="2743200" cy="390748"/>
               </a:xfrm>
               <a:prstGeom prst="rect">
@@ -8075,8 +8268,8 @@
         </p:nvSpPr>
         <p:spPr>
           <a:xfrm>
-            <a:off x="7467600" y="5394470"/>
-            <a:ext cx="2305439" cy="338554"/>
+            <a:off x="4411083" y="5400000"/>
+            <a:ext cx="3369833" cy="461665"/>
           </a:xfrm>
           <a:prstGeom prst="rect">
             <a:avLst/>
@@ -8090,36 +8283,56 @@
           <a:lstStyle/>
           <a:p>
             <a:r>
-              <a:rPr lang="it-IT" sz="1600" dirty="0">
-                <a:latin typeface="Arial" panose="020B0604020202020204" pitchFamily="34" charset="0"/>
-                <a:cs typeface="Arial" panose="020B0604020202020204" pitchFamily="34" charset="0"/>
+              <a:rPr lang="it-IT" sz="2400" dirty="0">
+                <a:solidFill>
+                  <a:srgbClr val="172542"/>
+                </a:solidFill>
+                <a:latin typeface="Arial"/>
+                <a:ea typeface="+mj-ea"/>
+                <a:cs typeface="Arial"/>
               </a:rPr>
               <a:t>No </a:t>
             </a:r>
             <a:r>
-              <a:rPr lang="it-IT" sz="1600" dirty="0" err="1">
-                <a:latin typeface="Arial" panose="020B0604020202020204" pitchFamily="34" charset="0"/>
-                <a:cs typeface="Arial" panose="020B0604020202020204" pitchFamily="34" charset="0"/>
+              <a:rPr lang="it-IT" sz="2400" dirty="0" err="1">
+                <a:solidFill>
+                  <a:srgbClr val="172542"/>
+                </a:solidFill>
+                <a:latin typeface="Arial"/>
+                <a:ea typeface="+mj-ea"/>
+                <a:cs typeface="Arial"/>
               </a:rPr>
               <a:t>selection</a:t>
             </a:r>
             <a:r>
-              <a:rPr lang="it-IT" sz="1600" dirty="0">
-                <a:latin typeface="Arial" panose="020B0604020202020204" pitchFamily="34" charset="0"/>
-                <a:cs typeface="Arial" panose="020B0604020202020204" pitchFamily="34" charset="0"/>
+              <a:rPr lang="it-IT" sz="2400" dirty="0">
+                <a:solidFill>
+                  <a:srgbClr val="172542"/>
+                </a:solidFill>
+                <a:latin typeface="Arial"/>
+                <a:ea typeface="+mj-ea"/>
+                <a:cs typeface="Arial"/>
               </a:rPr>
               <a:t> </a:t>
             </a:r>
             <a:r>
-              <a:rPr lang="it-IT" sz="1600" dirty="0" err="1">
-                <a:latin typeface="Arial" panose="020B0604020202020204" pitchFamily="34" charset="0"/>
-                <a:cs typeface="Arial" panose="020B0604020202020204" pitchFamily="34" charset="0"/>
+              <a:rPr lang="it-IT" sz="2400" dirty="0" err="1">
+                <a:solidFill>
+                  <a:srgbClr val="172542"/>
+                </a:solidFill>
+                <a:latin typeface="Arial"/>
+                <a:ea typeface="+mj-ea"/>
+                <a:cs typeface="Arial"/>
               </a:rPr>
               <a:t>performed</a:t>
             </a:r>
-            <a:endParaRPr lang="it-IT" sz="1600" dirty="0">
-              <a:latin typeface="Arial" panose="020B0604020202020204" pitchFamily="34" charset="0"/>
-              <a:cs typeface="Arial" panose="020B0604020202020204" pitchFamily="34" charset="0"/>
+            <a:endParaRPr lang="it-IT" sz="2400" dirty="0">
+              <a:solidFill>
+                <a:srgbClr val="172542"/>
+              </a:solidFill>
+              <a:latin typeface="Arial"/>
+              <a:ea typeface="+mj-ea"/>
+              <a:cs typeface="Arial"/>
             </a:endParaRPr>
           </a:p>
         </p:txBody>
@@ -8172,8 +8385,8 @@
         </p:nvSpPr>
         <p:spPr>
           <a:xfrm>
-            <a:off x="842262" y="482930"/>
-            <a:ext cx="5329937" cy="677108"/>
+            <a:off x="853200" y="536400"/>
+            <a:ext cx="5329937" cy="538609"/>
           </a:xfrm>
         </p:spPr>
         <p:txBody>
@@ -8181,13 +8394,16 @@
           <a:lstStyle/>
           <a:p>
             <a:r>
-              <a:rPr lang="it-IT" sz="4400" b="1" dirty="0" err="1">
+              <a:rPr lang="it-IT" sz="3500" b="1" dirty="0" err="1">
                 <a:latin typeface="Arial"/>
                 <a:cs typeface="Arial"/>
               </a:rPr>
               <a:t>Conclusions</a:t>
             </a:r>
-            <a:endParaRPr lang="it-IT" dirty="0"/>
+            <a:endParaRPr lang="it-IT" sz="3500" b="1" dirty="0">
+              <a:latin typeface="Arial"/>
+              <a:cs typeface="Arial"/>
+            </a:endParaRPr>
           </a:p>
         </p:txBody>
       </p:sp>
@@ -8213,7 +8429,7 @@
         </p:blipFill>
         <p:spPr>
           <a:xfrm>
-            <a:off x="2316454" y="1716036"/>
+            <a:off x="2240255" y="1669004"/>
             <a:ext cx="7711489" cy="1851801"/>
           </a:xfrm>
           <a:prstGeom prst="rect">
@@ -8235,8 +8451,8 @@
         </p:nvSpPr>
         <p:spPr>
           <a:xfrm>
-            <a:off x="990600" y="4142689"/>
-            <a:ext cx="8763000" cy="1015663"/>
+            <a:off x="853200" y="4114800"/>
+            <a:ext cx="9967200" cy="1569660"/>
           </a:xfrm>
           <a:prstGeom prst="rect">
             <a:avLst/>
@@ -8254,7 +8470,7 @@
               <a:buChar char="•"/>
             </a:pPr>
             <a:r>
-              <a:rPr lang="it-IT" sz="2000" dirty="0">
+              <a:rPr lang="it-IT" sz="2400" dirty="0">
                 <a:solidFill>
                   <a:srgbClr val="172542"/>
                 </a:solidFill>
@@ -8265,7 +8481,7 @@
               <a:t>Key </a:t>
             </a:r>
             <a:r>
-              <a:rPr lang="it-IT" sz="2000" dirty="0" err="1">
+              <a:rPr lang="it-IT" sz="2400" dirty="0" err="1">
                 <a:solidFill>
                   <a:srgbClr val="172542"/>
                 </a:solidFill>
@@ -8276,7 +8492,7 @@
               <a:t>factors</a:t>
             </a:r>
             <a:r>
-              <a:rPr lang="it-IT" sz="2000" dirty="0">
+              <a:rPr lang="it-IT" sz="2400" dirty="0">
                 <a:solidFill>
                   <a:srgbClr val="172542"/>
                 </a:solidFill>
@@ -8292,8 +8508,22 @@
               <a:buFont typeface="Arial" panose="020B0604020202020204" pitchFamily="34" charset="0"/>
               <a:buChar char="•"/>
             </a:pPr>
-            <a:r>
-              <a:rPr lang="it-IT" sz="2000" dirty="0">
+            <a:endParaRPr lang="it-IT" sz="2400" dirty="0">
+              <a:solidFill>
+                <a:srgbClr val="172542"/>
+              </a:solidFill>
+              <a:latin typeface="Arial"/>
+              <a:ea typeface="+mj-ea"/>
+              <a:cs typeface="Arial"/>
+            </a:endParaRPr>
+          </a:p>
+          <a:p>
+            <a:pPr marL="285750" indent="-285750">
+              <a:buFont typeface="Arial" panose="020B0604020202020204" pitchFamily="34" charset="0"/>
+              <a:buChar char="•"/>
+            </a:pPr>
+            <a:r>
+              <a:rPr lang="it-IT" sz="2400" dirty="0">
                 <a:solidFill>
                   <a:srgbClr val="172542"/>
                 </a:solidFill>
@@ -8304,7 +8534,7 @@
               <a:t>‘GP’ </a:t>
             </a:r>
             <a:r>
-              <a:rPr lang="it-IT" sz="2000" dirty="0" err="1">
+              <a:rPr lang="it-IT" sz="2400" dirty="0" err="1">
                 <a:solidFill>
                   <a:srgbClr val="172542"/>
                 </a:solidFill>
@@ -8315,7 +8545,7 @@
               <a:t>not</a:t>
             </a:r>
             <a:r>
-              <a:rPr lang="it-IT" sz="2000" dirty="0">
+              <a:rPr lang="it-IT" sz="2400" dirty="0">
                 <a:solidFill>
                   <a:srgbClr val="172542"/>
                 </a:solidFill>
@@ -8326,7 +8556,7 @@
               <a:t> </a:t>
             </a:r>
             <a:r>
-              <a:rPr lang="it-IT" sz="2000" dirty="0" err="1">
+              <a:rPr lang="it-IT" sz="2400" dirty="0" err="1">
                 <a:solidFill>
                   <a:srgbClr val="172542"/>
                 </a:solidFill>
@@ -8336,7 +8566,7 @@
               </a:rPr>
               <a:t>significant</a:t>
             </a:r>
-            <a:endParaRPr lang="it-IT" sz="2000" dirty="0">
+            <a:endParaRPr lang="it-IT" sz="2400" dirty="0">
               <a:solidFill>
                 <a:srgbClr val="172542"/>
               </a:solidFill>
@@ -8385,7 +8615,7 @@
         </p:nvSpPr>
         <p:spPr>
           <a:xfrm>
-            <a:off x="853846" y="1828800"/>
+            <a:off x="853846" y="1800000"/>
             <a:ext cx="9643745" cy="3310009"/>
           </a:xfrm>
           <a:prstGeom prst="rect">
@@ -8760,8 +8990,8 @@
         </p:nvSpPr>
         <p:spPr>
           <a:xfrm>
-            <a:off x="1305305" y="1585057"/>
-            <a:ext cx="9222740" cy="4220386"/>
+            <a:off x="853200" y="1440000"/>
+            <a:ext cx="9222740" cy="3481722"/>
           </a:xfrm>
           <a:prstGeom prst="rect">
             <a:avLst/>
@@ -8790,7 +9020,7 @@
               </a:tabLst>
             </a:pPr>
             <a:r>
-              <a:rPr lang="it-IT" sz="2800" spc="-5" dirty="0">
+              <a:rPr lang="it-IT" sz="2400" spc="-5" dirty="0">
                 <a:solidFill>
                   <a:srgbClr val="172542"/>
                 </a:solidFill>
@@ -8800,7 +9030,7 @@
               <a:t>The goal </a:t>
             </a:r>
             <a:r>
-              <a:rPr lang="it-IT" sz="2800" spc="-5" dirty="0" err="1">
+              <a:rPr lang="it-IT" sz="2400" spc="-5" dirty="0" err="1">
                 <a:solidFill>
                   <a:srgbClr val="172542"/>
                 </a:solidFill>
@@ -8810,7 +9040,7 @@
               <a:t>is</a:t>
             </a:r>
             <a:r>
-              <a:rPr lang="it-IT" sz="2800" spc="-5" dirty="0">
+              <a:rPr lang="it-IT" sz="2400" spc="-5" dirty="0">
                 <a:solidFill>
                   <a:srgbClr val="172542"/>
                 </a:solidFill>
@@ -8820,7 +9050,7 @@
               <a:t> to </a:t>
             </a:r>
             <a:r>
-              <a:rPr lang="it-IT" sz="2800" spc="-5" dirty="0" err="1">
+              <a:rPr lang="it-IT" sz="2400" spc="-5" dirty="0" err="1">
                 <a:solidFill>
                   <a:srgbClr val="172542"/>
                 </a:solidFill>
@@ -8830,7 +9060,7 @@
               <a:t>explain</a:t>
             </a:r>
             <a:r>
-              <a:rPr lang="it-IT" sz="2800" spc="-5" dirty="0">
+              <a:rPr lang="it-IT" sz="2400" spc="-5" dirty="0">
                 <a:solidFill>
                   <a:srgbClr val="172542"/>
                 </a:solidFill>
@@ -8840,7 +9070,7 @@
               <a:t> ‘TARGET_5Yrs’ in </a:t>
             </a:r>
             <a:r>
-              <a:rPr lang="it-IT" sz="2800" spc="-5" dirty="0" err="1">
+              <a:rPr lang="it-IT" sz="2400" spc="-5" dirty="0" err="1">
                 <a:solidFill>
                   <a:srgbClr val="172542"/>
                 </a:solidFill>
@@ -8850,7 +9080,7 @@
               <a:t>terms</a:t>
             </a:r>
             <a:r>
-              <a:rPr lang="it-IT" sz="2800" spc="-5" dirty="0">
+              <a:rPr lang="it-IT" sz="2400" spc="-5" dirty="0">
                 <a:solidFill>
                   <a:srgbClr val="172542"/>
                 </a:solidFill>
@@ -8860,7 +9090,7 @@
               <a:t> of the other </a:t>
             </a:r>
             <a:r>
-              <a:rPr lang="it-IT" sz="2800" spc="-5" dirty="0" err="1">
+              <a:rPr lang="it-IT" sz="2400" spc="-5" dirty="0" err="1">
                 <a:solidFill>
                   <a:srgbClr val="172542"/>
                 </a:solidFill>
@@ -8869,7 +9099,7 @@
               </a:rPr>
               <a:t>variables</a:t>
             </a:r>
-            <a:endParaRPr lang="it-IT" sz="2800" spc="-5" dirty="0">
+            <a:endParaRPr lang="it-IT" sz="2400" spc="-5" dirty="0">
               <a:solidFill>
                 <a:srgbClr val="172542"/>
               </a:solidFill>
@@ -8895,7 +9125,7 @@
               </a:tabLst>
             </a:pPr>
             <a:r>
-              <a:rPr lang="it-IT" sz="2800" spc="-5" dirty="0" err="1">
+              <a:rPr lang="it-IT" sz="2400" spc="-5" dirty="0" err="1">
                 <a:solidFill>
                   <a:srgbClr val="172542"/>
                 </a:solidFill>
@@ -8905,7 +9135,7 @@
               <a:t>Removal</a:t>
             </a:r>
             <a:r>
-              <a:rPr lang="it-IT" sz="2800" spc="-5" dirty="0">
+              <a:rPr lang="it-IT" sz="2400" spc="-5" dirty="0">
                 <a:solidFill>
                   <a:srgbClr val="172542"/>
                 </a:solidFill>
@@ -8915,7 +9145,7 @@
               <a:t> of ‘PTS’ for the </a:t>
             </a:r>
             <a:r>
-              <a:rPr lang="it-IT" sz="2800" spc="-5" dirty="0" err="1">
+              <a:rPr lang="it-IT" sz="2400" spc="-5" dirty="0" err="1">
                 <a:solidFill>
                   <a:srgbClr val="172542"/>
                 </a:solidFill>
@@ -8925,7 +9155,7 @@
               <a:t>observation</a:t>
             </a:r>
             <a:r>
-              <a:rPr lang="it-IT" sz="2800" spc="-5" dirty="0">
+              <a:rPr lang="it-IT" sz="2400" spc="-5" dirty="0">
                 <a:solidFill>
                   <a:srgbClr val="172542"/>
                 </a:solidFill>
@@ -8935,7 +9165,7 @@
               <a:t> made in the previous </a:t>
             </a:r>
             <a:r>
-              <a:rPr lang="it-IT" sz="2800" spc="-5" dirty="0" err="1">
+              <a:rPr lang="it-IT" sz="2400" spc="-5" dirty="0" err="1">
                 <a:solidFill>
                   <a:srgbClr val="172542"/>
                 </a:solidFill>
@@ -8944,7 +9174,7 @@
               </a:rPr>
               <a:t>section</a:t>
             </a:r>
-            <a:endParaRPr lang="it-IT" sz="2800" spc="-5" dirty="0">
+            <a:endParaRPr lang="it-IT" sz="2400" spc="-5" dirty="0">
               <a:solidFill>
                 <a:srgbClr val="172542"/>
               </a:solidFill>
@@ -8970,7 +9200,7 @@
               </a:tabLst>
             </a:pPr>
             <a:r>
-              <a:rPr lang="it-IT" sz="2800" spc="-5" dirty="0">
+              <a:rPr lang="it-IT" sz="2400" spc="-5" dirty="0">
                 <a:solidFill>
                   <a:srgbClr val="172542"/>
                 </a:solidFill>
@@ -8980,7 +9210,7 @@
               <a:t>Dataset with 1278 samples and 18 </a:t>
             </a:r>
             <a:r>
-              <a:rPr lang="it-IT" sz="2800" spc="-5" dirty="0" err="1">
+              <a:rPr lang="it-IT" sz="2400" spc="-5" dirty="0" err="1">
                 <a:solidFill>
                   <a:srgbClr val="172542"/>
                 </a:solidFill>
@@ -8989,7 +9219,7 @@
               </a:rPr>
               <a:t>columns</a:t>
             </a:r>
-            <a:endParaRPr lang="it-IT" sz="2800" spc="-5" dirty="0">
+            <a:endParaRPr lang="it-IT" sz="2400" spc="-5" dirty="0">
               <a:solidFill>
                 <a:srgbClr val="172542"/>
               </a:solidFill>
@@ -9015,7 +9245,7 @@
               </a:tabLst>
             </a:pPr>
             <a:r>
-              <a:rPr lang="it-IT" sz="2800" spc="-5" dirty="0">
+              <a:rPr lang="it-IT" sz="2400" spc="-5" dirty="0">
                 <a:solidFill>
                   <a:srgbClr val="172542"/>
                 </a:solidFill>
@@ -9780,7 +10010,7 @@
         </p:blipFill>
         <p:spPr>
           <a:xfrm>
-            <a:off x="543426" y="1817724"/>
+            <a:off x="980272" y="2119452"/>
             <a:ext cx="2438038" cy="1017096"/>
           </a:xfrm>
           <a:prstGeom prst="rect">
@@ -9803,13 +10033,13 @@
           <p:nvPr>
             <p:extLst>
               <p:ext uri="{D42A27DB-BD31-4B8C-83A1-F6EECF244321}">
-                <p14:modId xmlns:p14="http://schemas.microsoft.com/office/powerpoint/2010/main" val="949011417"/>
+                <p14:modId xmlns:p14="http://schemas.microsoft.com/office/powerpoint/2010/main" val="2238527135"/>
               </p:ext>
             </p:extLst>
           </p:nvPr>
         </p:nvGraphicFramePr>
         <p:xfrm>
-          <a:off x="3887844" y="1138272"/>
+          <a:off x="4428000" y="1440000"/>
           <a:ext cx="2699110" cy="2376000"/>
         </p:xfrm>
         <a:graphic>
@@ -9837,7 +10067,7 @@
                     </p:blipFill>
                     <p:spPr>
                       <a:xfrm>
-                        <a:off x="3887844" y="1138272"/>
+                        <a:off x="4428000" y="1440000"/>
                         <a:ext cx="2699110" cy="2376000"/>
                       </a:xfrm>
                       <a:prstGeom prst="rect">
@@ -9866,13 +10096,13 @@
           <p:nvPr>
             <p:extLst>
               <p:ext uri="{D42A27DB-BD31-4B8C-83A1-F6EECF244321}">
-                <p14:modId xmlns:p14="http://schemas.microsoft.com/office/powerpoint/2010/main" val="468256909"/>
+                <p14:modId xmlns:p14="http://schemas.microsoft.com/office/powerpoint/2010/main" val="2642768662"/>
               </p:ext>
             </p:extLst>
           </p:nvPr>
         </p:nvGraphicFramePr>
         <p:xfrm>
-          <a:off x="7664089" y="1209716"/>
+          <a:off x="8136000" y="1440000"/>
           <a:ext cx="2699111" cy="2376000"/>
         </p:xfrm>
         <a:graphic>
@@ -9900,7 +10130,7 @@
                     </p:blipFill>
                     <p:spPr>
                       <a:xfrm>
-                        <a:off x="7664089" y="1209716"/>
+                        <a:off x="8136000" y="1440000"/>
                         <a:ext cx="2699111" cy="2376000"/>
                       </a:xfrm>
                       <a:prstGeom prst="rect">
@@ -9929,13 +10159,13 @@
           <p:nvPr>
             <p:extLst>
               <p:ext uri="{D42A27DB-BD31-4B8C-83A1-F6EECF244321}">
-                <p14:modId xmlns:p14="http://schemas.microsoft.com/office/powerpoint/2010/main" val="193340246"/>
+                <p14:modId xmlns:p14="http://schemas.microsoft.com/office/powerpoint/2010/main" val="1395827266"/>
               </p:ext>
             </p:extLst>
           </p:nvPr>
         </p:nvGraphicFramePr>
         <p:xfrm>
-          <a:off x="3887844" y="3585716"/>
+          <a:off x="4428000" y="3780000"/>
           <a:ext cx="2700000" cy="2376784"/>
         </p:xfrm>
         <a:graphic>
@@ -9963,7 +10193,7 @@
                     </p:blipFill>
                     <p:spPr>
                       <a:xfrm>
-                        <a:off x="3887844" y="3585716"/>
+                        <a:off x="4428000" y="3780000"/>
                         <a:ext cx="2700000" cy="2376784"/>
                       </a:xfrm>
                       <a:prstGeom prst="rect">
@@ -9992,13 +10222,13 @@
           <p:nvPr>
             <p:extLst>
               <p:ext uri="{D42A27DB-BD31-4B8C-83A1-F6EECF244321}">
-                <p14:modId xmlns:p14="http://schemas.microsoft.com/office/powerpoint/2010/main" val="151515035"/>
+                <p14:modId xmlns:p14="http://schemas.microsoft.com/office/powerpoint/2010/main" val="3080522514"/>
               </p:ext>
             </p:extLst>
           </p:nvPr>
         </p:nvGraphicFramePr>
         <p:xfrm>
-          <a:off x="7664088" y="3585716"/>
+          <a:off x="8136000" y="3780000"/>
           <a:ext cx="2699111" cy="2376000"/>
         </p:xfrm>
         <a:graphic>
@@ -10026,7 +10256,7 @@
                     </p:blipFill>
                     <p:spPr>
                       <a:xfrm>
-                        <a:off x="7664088" y="3585716"/>
+                        <a:off x="8136000" y="3780000"/>
                         <a:ext cx="2699111" cy="2376000"/>
                       </a:xfrm>
                       <a:prstGeom prst="rect">
@@ -10062,7 +10292,7 @@
         </p:blipFill>
         <p:spPr>
           <a:xfrm>
-            <a:off x="543426" y="4276282"/>
+            <a:off x="980272" y="4470566"/>
             <a:ext cx="2438038" cy="994867"/>
           </a:xfrm>
           <a:prstGeom prst="rect">
@@ -10070,8 +10300,8 @@
           </a:prstGeom>
         </p:spPr>
       </p:pic>
-      <mc:AlternateContent xmlns:mc="http://schemas.openxmlformats.org/markup-compatibility/2006">
-        <mc:Choice xmlns:a14="http://schemas.microsoft.com/office/drawing/2010/main" Requires="a14">
+      <mc:AlternateContent xmlns:mc="http://schemas.openxmlformats.org/markup-compatibility/2006" xmlns:a14="http://schemas.microsoft.com/office/drawing/2010/main">
+        <mc:Choice Requires="a14">
           <p:sp>
             <p:nvSpPr>
               <p:cNvPr id="26" name="CasellaDiTesto 25">
@@ -10086,7 +10316,7 @@
             </p:nvSpPr>
             <p:spPr>
               <a:xfrm>
-                <a:off x="1018491" y="5410200"/>
+                <a:off x="1455337" y="5493600"/>
                 <a:ext cx="1487908" cy="276999"/>
               </a:xfrm>
               <a:prstGeom prst="rect">
@@ -10100,6 +10330,7 @@
               </a:bodyPr>
               <a:lstStyle/>
               <a:p>
+                <a:pPr/>
                 <a14:m>
                   <m:oMathPara xmlns:m="http://schemas.openxmlformats.org/officeDocument/2006/math">
                     <m:oMathParaPr>
@@ -10126,7 +10357,7 @@
             </p:txBody>
           </p:sp>
         </mc:Choice>
-        <mc:Fallback>
+        <mc:Fallback xmlns="">
           <p:sp>
             <p:nvSpPr>
               <p:cNvPr id="26" name="CasellaDiTesto 25">
@@ -10143,7 +10374,7 @@
             </p:nvSpPr>
             <p:spPr>
               <a:xfrm>
-                <a:off x="1018491" y="5410200"/>
+                <a:off x="1455337" y="5493600"/>
                 <a:ext cx="1487908" cy="276999"/>
               </a:xfrm>
               <a:prstGeom prst="rect">
@@ -10152,7 +10383,7 @@
               <a:blipFill>
                 <a:blip r:embed="rId12"/>
                 <a:stretch>
-                  <a:fillRect l="-3279" r="-4508" b="-13333"/>
+                  <a:fillRect l="-3689" r="-4508" b="-13043"/>
                 </a:stretch>
               </a:blipFill>
             </p:spPr>
@@ -10171,8 +10402,8 @@
           </p:sp>
         </mc:Fallback>
       </mc:AlternateContent>
-      <mc:AlternateContent xmlns:mc="http://schemas.openxmlformats.org/markup-compatibility/2006">
-        <mc:Choice xmlns:a14="http://schemas.microsoft.com/office/drawing/2010/main" Requires="a14">
+      <mc:AlternateContent xmlns:mc="http://schemas.openxmlformats.org/markup-compatibility/2006" xmlns:a14="http://schemas.microsoft.com/office/drawing/2010/main">
+        <mc:Choice Requires="a14">
           <p:sp>
             <p:nvSpPr>
               <p:cNvPr id="27" name="CasellaDiTesto 26">
@@ -10187,7 +10418,7 @@
             </p:nvSpPr>
             <p:spPr>
               <a:xfrm>
-                <a:off x="1018491" y="2973871"/>
+                <a:off x="1455337" y="3152001"/>
                 <a:ext cx="1487908" cy="276999"/>
               </a:xfrm>
               <a:prstGeom prst="rect">
@@ -10201,6 +10432,7 @@
               </a:bodyPr>
               <a:lstStyle/>
               <a:p>
+                <a:pPr/>
                 <a14:m>
                   <m:oMathPara xmlns:m="http://schemas.openxmlformats.org/officeDocument/2006/math">
                     <m:oMathParaPr>
@@ -10227,7 +10459,7 @@
             </p:txBody>
           </p:sp>
         </mc:Choice>
-        <mc:Fallback>
+        <mc:Fallback xmlns="">
           <p:sp>
             <p:nvSpPr>
               <p:cNvPr id="27" name="CasellaDiTesto 26">
@@ -10244,7 +10476,7 @@
             </p:nvSpPr>
             <p:spPr>
               <a:xfrm>
-                <a:off x="1018491" y="2973871"/>
+                <a:off x="1455337" y="3152001"/>
                 <a:ext cx="1487908" cy="276999"/>
               </a:xfrm>
               <a:prstGeom prst="rect">
@@ -10253,7 +10485,7 @@
               <a:blipFill>
                 <a:blip r:embed="rId13"/>
                 <a:stretch>
-                  <a:fillRect l="-3279" r="-4508" b="-13333"/>
+                  <a:fillRect l="-3689" r="-4098" b="-13043"/>
                 </a:stretch>
               </a:blipFill>
             </p:spPr>
@@ -10724,8 +10956,8 @@
         </p:nvSpPr>
         <p:spPr>
           <a:xfrm>
-            <a:off x="7464154" y="5064203"/>
-            <a:ext cx="3184367" cy="646331"/>
+            <a:off x="7347752" y="5228563"/>
+            <a:ext cx="4495800" cy="461665"/>
           </a:xfrm>
           <a:prstGeom prst="rect">
             <a:avLst/>
@@ -10738,27 +10970,36 @@
           </a:bodyPr>
           <a:lstStyle/>
           <a:p>
-            <a:pPr marL="285750" indent="-285750">
-              <a:buFont typeface="Arial" panose="020B0604020202020204" pitchFamily="34" charset="0"/>
-              <a:buChar char="•"/>
-            </a:pPr>
-            <a:r>
-              <a:rPr lang="it-IT" dirty="0">
-                <a:latin typeface="Arial" panose="020B0604020202020204" pitchFamily="34" charset="0"/>
-                <a:cs typeface="Arial" panose="020B0604020202020204" pitchFamily="34" charset="0"/>
+            <a:pPr algn="ctr"/>
+            <a:r>
+              <a:rPr lang="it-IT" sz="2400" dirty="0">
+                <a:solidFill>
+                  <a:srgbClr val="172542"/>
+                </a:solidFill>
+                <a:latin typeface="Arial"/>
+                <a:ea typeface="+mj-ea"/>
+                <a:cs typeface="Arial"/>
               </a:rPr>
               <a:t>‘GP’ expected to be </a:t>
             </a:r>
             <a:r>
-              <a:rPr lang="it-IT" dirty="0" err="1">
-                <a:latin typeface="Arial" panose="020B0604020202020204" pitchFamily="34" charset="0"/>
-                <a:cs typeface="Arial" panose="020B0604020202020204" pitchFamily="34" charset="0"/>
+              <a:rPr lang="it-IT" sz="2400" dirty="0" err="1">
+                <a:solidFill>
+                  <a:srgbClr val="172542"/>
+                </a:solidFill>
+                <a:latin typeface="Arial"/>
+                <a:ea typeface="+mj-ea"/>
+                <a:cs typeface="Arial"/>
               </a:rPr>
               <a:t>important</a:t>
             </a:r>
-            <a:endParaRPr lang="it-IT" dirty="0">
-              <a:latin typeface="Arial" panose="020B0604020202020204" pitchFamily="34" charset="0"/>
-              <a:cs typeface="Arial" panose="020B0604020202020204" pitchFamily="34" charset="0"/>
+            <a:endParaRPr lang="it-IT" sz="2400" dirty="0">
+              <a:solidFill>
+                <a:srgbClr val="172542"/>
+              </a:solidFill>
+              <a:latin typeface="Arial"/>
+              <a:ea typeface="+mj-ea"/>
+              <a:cs typeface="Arial"/>
             </a:endParaRPr>
           </a:p>
         </p:txBody>
@@ -10801,7 +11042,7 @@
         </p:nvSpPr>
         <p:spPr>
           <a:xfrm>
-            <a:off x="853846" y="1828800"/>
+            <a:off x="853846" y="1800000"/>
             <a:ext cx="9643745" cy="3310009"/>
           </a:xfrm>
           <a:prstGeom prst="rect">
@@ -11254,13 +11495,13 @@
           <p:nvPr>
             <p:extLst>
               <p:ext uri="{D42A27DB-BD31-4B8C-83A1-F6EECF244321}">
-                <p14:modId xmlns:p14="http://schemas.microsoft.com/office/powerpoint/2010/main" val="1313250621"/>
+                <p14:modId xmlns:p14="http://schemas.microsoft.com/office/powerpoint/2010/main" val="3254925971"/>
               </p:ext>
             </p:extLst>
           </p:nvPr>
         </p:nvGraphicFramePr>
         <p:xfrm>
-          <a:off x="5071621" y="1448193"/>
+          <a:off x="5257800" y="1448193"/>
           <a:ext cx="6837948" cy="3961614"/>
         </p:xfrm>
         <a:graphic>
@@ -11288,7 +11529,7 @@
                     </p:blipFill>
                     <p:spPr>
                       <a:xfrm>
-                        <a:off x="5071621" y="1448193"/>
+                        <a:off x="5257800" y="1448193"/>
                         <a:ext cx="6837948" cy="3961614"/>
                       </a:xfrm>
                       <a:prstGeom prst="rect">
@@ -11316,8 +11557,8 @@
         </p:nvSpPr>
         <p:spPr>
           <a:xfrm>
-            <a:off x="823994" y="2209800"/>
-            <a:ext cx="3962400" cy="2031325"/>
+            <a:off x="853200" y="1800000"/>
+            <a:ext cx="3962400" cy="2677656"/>
           </a:xfrm>
           <a:prstGeom prst="rect">
             <a:avLst/>
@@ -11335,72 +11576,79 @@
               <a:buChar char="•"/>
             </a:pPr>
             <a:r>
-              <a:rPr lang="it-IT" dirty="0">
-                <a:solidFill>
-                  <a:srgbClr val="113864"/>
-                </a:solidFill>
-                <a:latin typeface="Arial" panose="020B0604020202020204" pitchFamily="34" charset="0"/>
-                <a:cs typeface="Arial" panose="020B0604020202020204" pitchFamily="34" charset="0"/>
+              <a:rPr lang="it-IT" sz="2400" dirty="0">
+                <a:solidFill>
+                  <a:srgbClr val="172542"/>
+                </a:solidFill>
+                <a:latin typeface="Arial"/>
+                <a:ea typeface="+mj-ea"/>
+                <a:cs typeface="Arial"/>
               </a:rPr>
               <a:t>Using </a:t>
             </a:r>
             <a:r>
-              <a:rPr lang="it-IT" i="1" dirty="0" err="1">
-                <a:solidFill>
-                  <a:srgbClr val="113864"/>
-                </a:solidFill>
-                <a:latin typeface="Arial" panose="020B0604020202020204" pitchFamily="34" charset="0"/>
-                <a:cs typeface="Arial" panose="020B0604020202020204" pitchFamily="34" charset="0"/>
+              <a:rPr lang="it-IT" sz="2400" dirty="0" err="1">
+                <a:solidFill>
+                  <a:srgbClr val="172542"/>
+                </a:solidFill>
+                <a:latin typeface="Arial"/>
+                <a:ea typeface="+mj-ea"/>
+                <a:cs typeface="Arial"/>
               </a:rPr>
               <a:t>gini</a:t>
             </a:r>
             <a:r>
-              <a:rPr lang="it-IT" dirty="0">
-                <a:solidFill>
-                  <a:srgbClr val="113864"/>
-                </a:solidFill>
-                <a:latin typeface="Arial" panose="020B0604020202020204" pitchFamily="34" charset="0"/>
-                <a:cs typeface="Arial" panose="020B0604020202020204" pitchFamily="34" charset="0"/>
+              <a:rPr lang="it-IT" sz="2400" dirty="0">
+                <a:solidFill>
+                  <a:srgbClr val="172542"/>
+                </a:solidFill>
+                <a:latin typeface="Arial"/>
+                <a:ea typeface="+mj-ea"/>
+                <a:cs typeface="Arial"/>
               </a:rPr>
               <a:t> </a:t>
             </a:r>
             <a:r>
-              <a:rPr lang="it-IT" dirty="0" err="1">
-                <a:solidFill>
-                  <a:srgbClr val="113864"/>
-                </a:solidFill>
-                <a:latin typeface="Arial" panose="020B0604020202020204" pitchFamily="34" charset="0"/>
-                <a:cs typeface="Arial" panose="020B0604020202020204" pitchFamily="34" charset="0"/>
+              <a:rPr lang="it-IT" sz="2400" dirty="0" err="1">
+                <a:solidFill>
+                  <a:srgbClr val="172542"/>
+                </a:solidFill>
+                <a:latin typeface="Arial"/>
+                <a:ea typeface="+mj-ea"/>
+                <a:cs typeface="Arial"/>
               </a:rPr>
               <a:t>minimization</a:t>
             </a:r>
             <a:r>
-              <a:rPr lang="it-IT" dirty="0">
-                <a:solidFill>
-                  <a:srgbClr val="113864"/>
-                </a:solidFill>
-                <a:latin typeface="Arial" panose="020B0604020202020204" pitchFamily="34" charset="0"/>
-                <a:cs typeface="Arial" panose="020B0604020202020204" pitchFamily="34" charset="0"/>
+              <a:rPr lang="it-IT" sz="2400" dirty="0">
+                <a:solidFill>
+                  <a:srgbClr val="172542"/>
+                </a:solidFill>
+                <a:latin typeface="Arial"/>
+                <a:ea typeface="+mj-ea"/>
+                <a:cs typeface="Arial"/>
               </a:rPr>
               <a:t> function results in a </a:t>
             </a:r>
             <a:r>
-              <a:rPr lang="it-IT" dirty="0" err="1">
-                <a:solidFill>
-                  <a:srgbClr val="113864"/>
-                </a:solidFill>
-                <a:latin typeface="Arial" panose="020B0604020202020204" pitchFamily="34" charset="0"/>
-                <a:cs typeface="Arial" panose="020B0604020202020204" pitchFamily="34" charset="0"/>
+              <a:rPr lang="it-IT" sz="2400" dirty="0" err="1">
+                <a:solidFill>
+                  <a:srgbClr val="172542"/>
+                </a:solidFill>
+                <a:latin typeface="Arial"/>
+                <a:ea typeface="+mj-ea"/>
+                <a:cs typeface="Arial"/>
               </a:rPr>
               <a:t>tree</a:t>
             </a:r>
             <a:r>
-              <a:rPr lang="it-IT" dirty="0">
-                <a:solidFill>
-                  <a:srgbClr val="113864"/>
-                </a:solidFill>
-                <a:latin typeface="Arial" panose="020B0604020202020204" pitchFamily="34" charset="0"/>
-                <a:cs typeface="Arial" panose="020B0604020202020204" pitchFamily="34" charset="0"/>
+              <a:rPr lang="it-IT" sz="2400" dirty="0">
+                <a:solidFill>
+                  <a:srgbClr val="172542"/>
+                </a:solidFill>
+                <a:latin typeface="Arial"/>
+                <a:ea typeface="+mj-ea"/>
+                <a:cs typeface="Arial"/>
               </a:rPr>
               <a:t> with 109 terminal nodes</a:t>
             </a:r>
@@ -11410,12 +11658,13 @@
               <a:buFont typeface="Arial" panose="020B0604020202020204" pitchFamily="34" charset="0"/>
               <a:buChar char="•"/>
             </a:pPr>
-            <a:endParaRPr lang="it-IT" dirty="0">
+            <a:endParaRPr lang="it-IT" sz="2400" dirty="0">
               <a:solidFill>
-                <a:srgbClr val="113864"/>
+                <a:srgbClr val="172542"/>
               </a:solidFill>
-              <a:latin typeface="Arial" panose="020B0604020202020204" pitchFamily="34" charset="0"/>
-              <a:cs typeface="Arial" panose="020B0604020202020204" pitchFamily="34" charset="0"/>
+              <a:latin typeface="Arial"/>
+              <a:ea typeface="+mj-ea"/>
+              <a:cs typeface="Arial"/>
             </a:endParaRPr>
           </a:p>
           <a:p>
@@ -11424,111 +11673,122 @@
               <a:buChar char="•"/>
             </a:pPr>
             <a:r>
-              <a:rPr lang="it-IT" dirty="0">
-                <a:solidFill>
-                  <a:srgbClr val="113864"/>
-                </a:solidFill>
-                <a:latin typeface="Arial" panose="020B0604020202020204" pitchFamily="34" charset="0"/>
-                <a:cs typeface="Arial" panose="020B0604020202020204" pitchFamily="34" charset="0"/>
+              <a:rPr lang="it-IT" sz="2400" dirty="0">
+                <a:solidFill>
+                  <a:srgbClr val="172542"/>
+                </a:solidFill>
+                <a:latin typeface="Arial"/>
+                <a:ea typeface="+mj-ea"/>
+                <a:cs typeface="Arial"/>
               </a:rPr>
               <a:t>It’s </a:t>
             </a:r>
             <a:r>
-              <a:rPr lang="it-IT" dirty="0" err="1">
-                <a:solidFill>
-                  <a:srgbClr val="113864"/>
-                </a:solidFill>
-                <a:latin typeface="Arial" panose="020B0604020202020204" pitchFamily="34" charset="0"/>
-                <a:cs typeface="Arial" panose="020B0604020202020204" pitchFamily="34" charset="0"/>
+              <a:rPr lang="it-IT" sz="2400" dirty="0" err="1">
+                <a:solidFill>
+                  <a:srgbClr val="172542"/>
+                </a:solidFill>
+                <a:latin typeface="Arial"/>
+                <a:ea typeface="+mj-ea"/>
+                <a:cs typeface="Arial"/>
               </a:rPr>
               <a:t>possible</a:t>
             </a:r>
             <a:r>
-              <a:rPr lang="it-IT" dirty="0">
-                <a:solidFill>
-                  <a:srgbClr val="113864"/>
-                </a:solidFill>
-                <a:latin typeface="Arial" panose="020B0604020202020204" pitchFamily="34" charset="0"/>
-                <a:cs typeface="Arial" panose="020B0604020202020204" pitchFamily="34" charset="0"/>
+              <a:rPr lang="it-IT" sz="2400" dirty="0">
+                <a:solidFill>
+                  <a:srgbClr val="172542"/>
+                </a:solidFill>
+                <a:latin typeface="Arial"/>
+                <a:ea typeface="+mj-ea"/>
+                <a:cs typeface="Arial"/>
               </a:rPr>
               <a:t> to prune the </a:t>
             </a:r>
             <a:r>
-              <a:rPr lang="it-IT" dirty="0" err="1">
-                <a:solidFill>
-                  <a:srgbClr val="113864"/>
-                </a:solidFill>
-                <a:latin typeface="Arial" panose="020B0604020202020204" pitchFamily="34" charset="0"/>
-                <a:cs typeface="Arial" panose="020B0604020202020204" pitchFamily="34" charset="0"/>
+              <a:rPr lang="it-IT" sz="2400" dirty="0" err="1">
+                <a:solidFill>
+                  <a:srgbClr val="172542"/>
+                </a:solidFill>
+                <a:latin typeface="Arial"/>
+                <a:ea typeface="+mj-ea"/>
+                <a:cs typeface="Arial"/>
               </a:rPr>
               <a:t>tree</a:t>
             </a:r>
             <a:r>
-              <a:rPr lang="it-IT" dirty="0">
-                <a:solidFill>
-                  <a:srgbClr val="113864"/>
-                </a:solidFill>
-                <a:latin typeface="Arial" panose="020B0604020202020204" pitchFamily="34" charset="0"/>
-                <a:cs typeface="Arial" panose="020B0604020202020204" pitchFamily="34" charset="0"/>
+              <a:rPr lang="it-IT" sz="2400" dirty="0">
+                <a:solidFill>
+                  <a:srgbClr val="172542"/>
+                </a:solidFill>
+                <a:latin typeface="Arial"/>
+                <a:ea typeface="+mj-ea"/>
+                <a:cs typeface="Arial"/>
               </a:rPr>
               <a:t> </a:t>
             </a:r>
             <a:r>
-              <a:rPr lang="it-IT" dirty="0" err="1">
-                <a:solidFill>
-                  <a:srgbClr val="113864"/>
-                </a:solidFill>
-                <a:latin typeface="Arial" panose="020B0604020202020204" pitchFamily="34" charset="0"/>
-                <a:cs typeface="Arial" panose="020B0604020202020204" pitchFamily="34" charset="0"/>
+              <a:rPr lang="it-IT" sz="2400" dirty="0" err="1">
+                <a:solidFill>
+                  <a:srgbClr val="172542"/>
+                </a:solidFill>
+                <a:latin typeface="Arial"/>
+                <a:ea typeface="+mj-ea"/>
+                <a:cs typeface="Arial"/>
               </a:rPr>
               <a:t>at</a:t>
             </a:r>
             <a:r>
-              <a:rPr lang="it-IT" dirty="0">
-                <a:solidFill>
-                  <a:srgbClr val="113864"/>
-                </a:solidFill>
-                <a:latin typeface="Arial" panose="020B0604020202020204" pitchFamily="34" charset="0"/>
-                <a:cs typeface="Arial" panose="020B0604020202020204" pitchFamily="34" charset="0"/>
+              <a:rPr lang="it-IT" sz="2400" dirty="0">
+                <a:solidFill>
+                  <a:srgbClr val="172542"/>
+                </a:solidFill>
+                <a:latin typeface="Arial"/>
+                <a:ea typeface="+mj-ea"/>
+                <a:cs typeface="Arial"/>
               </a:rPr>
               <a:t> different sizes </a:t>
             </a:r>
             <a:r>
-              <a:rPr lang="it-IT" dirty="0" err="1">
-                <a:solidFill>
-                  <a:srgbClr val="113864"/>
-                </a:solidFill>
-                <a:latin typeface="Arial" panose="020B0604020202020204" pitchFamily="34" charset="0"/>
-                <a:cs typeface="Arial" panose="020B0604020202020204" pitchFamily="34" charset="0"/>
+              <a:rPr lang="it-IT" sz="2400" dirty="0" err="1">
+                <a:solidFill>
+                  <a:srgbClr val="172542"/>
+                </a:solidFill>
+                <a:latin typeface="Arial"/>
+                <a:ea typeface="+mj-ea"/>
+                <a:cs typeface="Arial"/>
               </a:rPr>
               <a:t>using</a:t>
             </a:r>
             <a:r>
-              <a:rPr lang="it-IT" dirty="0">
-                <a:solidFill>
-                  <a:srgbClr val="113864"/>
-                </a:solidFill>
-                <a:latin typeface="Arial" panose="020B0604020202020204" pitchFamily="34" charset="0"/>
-                <a:cs typeface="Arial" panose="020B0604020202020204" pitchFamily="34" charset="0"/>
+              <a:rPr lang="it-IT" sz="2400" dirty="0">
+                <a:solidFill>
+                  <a:srgbClr val="172542"/>
+                </a:solidFill>
+                <a:latin typeface="Arial"/>
+                <a:ea typeface="+mj-ea"/>
+                <a:cs typeface="Arial"/>
               </a:rPr>
               <a:t> cross-</a:t>
             </a:r>
             <a:r>
-              <a:rPr lang="it-IT" dirty="0" err="1">
-                <a:solidFill>
-                  <a:srgbClr val="113864"/>
-                </a:solidFill>
-                <a:latin typeface="Arial" panose="020B0604020202020204" pitchFamily="34" charset="0"/>
-                <a:cs typeface="Arial" panose="020B0604020202020204" pitchFamily="34" charset="0"/>
+              <a:rPr lang="it-IT" sz="2400" dirty="0" err="1">
+                <a:solidFill>
+                  <a:srgbClr val="172542"/>
+                </a:solidFill>
+                <a:latin typeface="Arial"/>
+                <a:ea typeface="+mj-ea"/>
+                <a:cs typeface="Arial"/>
               </a:rPr>
               <a:t>validation</a:t>
             </a:r>
-            <a:endParaRPr lang="it-IT" dirty="0">
+            <a:endParaRPr lang="it-IT" sz="2400" dirty="0">
               <a:solidFill>
-                <a:srgbClr val="113864"/>
+                <a:srgbClr val="172542"/>
               </a:solidFill>
-              <a:latin typeface="Arial" panose="020B0604020202020204" pitchFamily="34" charset="0"/>
-              <a:cs typeface="Arial" panose="020B0604020202020204" pitchFamily="34" charset="0"/>
+              <a:latin typeface="Arial"/>
+              <a:ea typeface="+mj-ea"/>
+              <a:cs typeface="Arial"/>
             </a:endParaRPr>
           </a:p>
         </p:txBody>
@@ -11547,7 +11807,7 @@
         </p:nvSpPr>
         <p:spPr>
           <a:xfrm>
-            <a:off x="4276986" y="3962400"/>
+            <a:off x="4490502" y="4198931"/>
             <a:ext cx="652021" cy="278725"/>
           </a:xfrm>
           <a:prstGeom prst="rightArrow">
@@ -11699,14 +11959,14 @@
           <p:nvPr>
             <p:extLst>
               <p:ext uri="{D42A27DB-BD31-4B8C-83A1-F6EECF244321}">
-                <p14:modId xmlns:p14="http://schemas.microsoft.com/office/powerpoint/2010/main" val="1944397769"/>
+                <p14:modId xmlns:p14="http://schemas.microsoft.com/office/powerpoint/2010/main" val="2794959026"/>
               </p:ext>
             </p:extLst>
           </p:nvPr>
         </p:nvGraphicFramePr>
         <p:xfrm>
-          <a:off x="520045" y="3597509"/>
-          <a:ext cx="3577101" cy="2072419"/>
+          <a:off x="468000" y="3600000"/>
+          <a:ext cx="3355443" cy="1944000"/>
         </p:xfrm>
         <a:graphic>
           <a:graphicData uri="http://schemas.openxmlformats.org/presentationml/2006/ole">
@@ -11733,8 +11993,8 @@
                     </p:blipFill>
                     <p:spPr>
                       <a:xfrm>
-                        <a:off x="520045" y="3597509"/>
-                        <a:ext cx="3577101" cy="2072419"/>
+                        <a:off x="468000" y="3600000"/>
+                        <a:ext cx="3355443" cy="1944000"/>
                       </a:xfrm>
                       <a:prstGeom prst="rect">
                         <a:avLst/>
@@ -11762,14 +12022,14 @@
           <p:nvPr>
             <p:extLst>
               <p:ext uri="{D42A27DB-BD31-4B8C-83A1-F6EECF244321}">
-                <p14:modId xmlns:p14="http://schemas.microsoft.com/office/powerpoint/2010/main" val="2517557701"/>
+                <p14:modId xmlns:p14="http://schemas.microsoft.com/office/powerpoint/2010/main" val="2195487346"/>
               </p:ext>
             </p:extLst>
           </p:nvPr>
         </p:nvGraphicFramePr>
         <p:xfrm>
-          <a:off x="469910" y="1466899"/>
-          <a:ext cx="3551177" cy="2057400"/>
+          <a:off x="468000" y="1440000"/>
+          <a:ext cx="3355442" cy="1944000"/>
         </p:xfrm>
         <a:graphic>
           <a:graphicData uri="http://schemas.openxmlformats.org/presentationml/2006/ole">
@@ -11796,8 +12056,8 @@
                     </p:blipFill>
                     <p:spPr>
                       <a:xfrm>
-                        <a:off x="469910" y="1466899"/>
-                        <a:ext cx="3551177" cy="2057400"/>
+                        <a:off x="468000" y="1440000"/>
+                        <a:ext cx="3355442" cy="1944000"/>
                       </a:xfrm>
                       <a:prstGeom prst="rect">
                         <a:avLst/>
@@ -11825,14 +12085,14 @@
           <p:nvPr>
             <p:extLst>
               <p:ext uri="{D42A27DB-BD31-4B8C-83A1-F6EECF244321}">
-                <p14:modId xmlns:p14="http://schemas.microsoft.com/office/powerpoint/2010/main" val="2445546226"/>
+                <p14:modId xmlns:p14="http://schemas.microsoft.com/office/powerpoint/2010/main" val="1284028577"/>
               </p:ext>
             </p:extLst>
           </p:nvPr>
         </p:nvGraphicFramePr>
         <p:xfrm>
-          <a:off x="4347354" y="3505005"/>
-          <a:ext cx="3896430" cy="2257425"/>
+          <a:off x="4320001" y="3600000"/>
+          <a:ext cx="3355441" cy="1944000"/>
         </p:xfrm>
         <a:graphic>
           <a:graphicData uri="http://schemas.openxmlformats.org/presentationml/2006/ole">
@@ -11859,8 +12119,8 @@
                     </p:blipFill>
                     <p:spPr>
                       <a:xfrm>
-                        <a:off x="4347354" y="3505005"/>
-                        <a:ext cx="3896430" cy="2257425"/>
+                        <a:off x="4320001" y="3600000"/>
+                        <a:ext cx="3355441" cy="1944000"/>
                       </a:xfrm>
                       <a:prstGeom prst="rect">
                         <a:avLst/>
@@ -11888,14 +12148,14 @@
           <p:nvPr>
             <p:extLst>
               <p:ext uri="{D42A27DB-BD31-4B8C-83A1-F6EECF244321}">
-                <p14:modId xmlns:p14="http://schemas.microsoft.com/office/powerpoint/2010/main" val="1971710410"/>
+                <p14:modId xmlns:p14="http://schemas.microsoft.com/office/powerpoint/2010/main" val="3080423007"/>
               </p:ext>
             </p:extLst>
           </p:nvPr>
         </p:nvGraphicFramePr>
         <p:xfrm>
-          <a:off x="4347355" y="1340085"/>
-          <a:ext cx="3896429" cy="2257424"/>
+          <a:off x="4320000" y="1440000"/>
+          <a:ext cx="3355442" cy="1944000"/>
         </p:xfrm>
         <a:graphic>
           <a:graphicData uri="http://schemas.openxmlformats.org/presentationml/2006/ole">
@@ -11922,8 +12182,8 @@
                     </p:blipFill>
                     <p:spPr>
                       <a:xfrm>
-                        <a:off x="4347355" y="1340085"/>
-                        <a:ext cx="3896429" cy="2257424"/>
+                        <a:off x="4320000" y="1440000"/>
+                        <a:ext cx="3355442" cy="1944000"/>
                       </a:xfrm>
                       <a:prstGeom prst="rect">
                         <a:avLst/>
@@ -11958,8 +12218,8 @@
         </p:blipFill>
         <p:spPr>
           <a:xfrm>
-            <a:off x="8491635" y="2714545"/>
-            <a:ext cx="3586707" cy="1428910"/>
+            <a:off x="8172000" y="1862545"/>
+            <a:ext cx="3931959" cy="1566455"/>
           </a:xfrm>
           <a:prstGeom prst="rect">
             <a:avLst/>
@@ -11980,8 +12240,8 @@
         </p:nvSpPr>
         <p:spPr>
           <a:xfrm>
-            <a:off x="8491635" y="4310551"/>
-            <a:ext cx="2743200" cy="646331"/>
+            <a:off x="8172000" y="3733800"/>
+            <a:ext cx="3791400" cy="1200329"/>
           </a:xfrm>
           <a:prstGeom prst="rect">
             <a:avLst/>
@@ -11999,26 +12259,48 @@
               <a:buChar char="•"/>
             </a:pPr>
             <a:r>
-              <a:rPr lang="it-IT" dirty="0">
-                <a:latin typeface="Arial" panose="020B0604020202020204" pitchFamily="34" charset="0"/>
-                <a:cs typeface="Arial" panose="020B0604020202020204" pitchFamily="34" charset="0"/>
+              <a:rPr lang="it-IT" sz="2400" dirty="0">
+                <a:solidFill>
+                  <a:srgbClr val="172542"/>
+                </a:solidFill>
+                <a:latin typeface="Arial"/>
+                <a:ea typeface="+mj-ea"/>
+                <a:cs typeface="Arial"/>
               </a:rPr>
               <a:t>Best size </a:t>
             </a:r>
             <a:r>
-              <a:rPr lang="it-IT" dirty="0" err="1">
-                <a:latin typeface="Arial" panose="020B0604020202020204" pitchFamily="34" charset="0"/>
-                <a:cs typeface="Arial" panose="020B0604020202020204" pitchFamily="34" charset="0"/>
+              <a:rPr lang="it-IT" sz="2400" dirty="0" err="1">
+                <a:solidFill>
+                  <a:srgbClr val="172542"/>
+                </a:solidFill>
+                <a:latin typeface="Arial"/>
+                <a:ea typeface="+mj-ea"/>
+                <a:cs typeface="Arial"/>
               </a:rPr>
               <a:t>is</a:t>
             </a:r>
             <a:r>
-              <a:rPr lang="it-IT" dirty="0">
-                <a:latin typeface="Arial" panose="020B0604020202020204" pitchFamily="34" charset="0"/>
-                <a:cs typeface="Arial" panose="020B0604020202020204" pitchFamily="34" charset="0"/>
+              <a:rPr lang="it-IT" sz="2400" dirty="0">
+                <a:solidFill>
+                  <a:srgbClr val="172542"/>
+                </a:solidFill>
+                <a:latin typeface="Arial"/>
+                <a:ea typeface="+mj-ea"/>
+                <a:cs typeface="Arial"/>
               </a:rPr>
               <a:t> 4</a:t>
             </a:r>
+          </a:p>
+          <a:p>
+            <a:endParaRPr lang="it-IT" sz="2400" dirty="0">
+              <a:solidFill>
+                <a:srgbClr val="172542"/>
+              </a:solidFill>
+              <a:latin typeface="Arial"/>
+              <a:ea typeface="+mj-ea"/>
+              <a:cs typeface="Arial"/>
+            </a:endParaRPr>
           </a:p>
           <a:p>
             <a:pPr marL="285750" indent="-285750">
@@ -12026,22 +12308,34 @@
               <a:buChar char="•"/>
             </a:pPr>
             <a:r>
-              <a:rPr lang="it-IT" dirty="0">
-                <a:latin typeface="Arial" panose="020B0604020202020204" pitchFamily="34" charset="0"/>
-                <a:cs typeface="Arial" panose="020B0604020202020204" pitchFamily="34" charset="0"/>
+              <a:rPr lang="it-IT" sz="2400" dirty="0">
+                <a:solidFill>
+                  <a:srgbClr val="172542"/>
+                </a:solidFill>
+                <a:latin typeface="Arial"/>
+                <a:ea typeface="+mj-ea"/>
+                <a:cs typeface="Arial"/>
               </a:rPr>
               <a:t>‘GP’ most </a:t>
             </a:r>
             <a:r>
-              <a:rPr lang="it-IT" dirty="0" err="1">
-                <a:latin typeface="Arial" panose="020B0604020202020204" pitchFamily="34" charset="0"/>
-                <a:cs typeface="Arial" panose="020B0604020202020204" pitchFamily="34" charset="0"/>
+              <a:rPr lang="it-IT" sz="2400" dirty="0" err="1">
+                <a:solidFill>
+                  <a:srgbClr val="172542"/>
+                </a:solidFill>
+                <a:latin typeface="Arial"/>
+                <a:ea typeface="+mj-ea"/>
+                <a:cs typeface="Arial"/>
               </a:rPr>
               <a:t>important</a:t>
             </a:r>
-            <a:endParaRPr lang="it-IT" dirty="0">
-              <a:latin typeface="Arial" panose="020B0604020202020204" pitchFamily="34" charset="0"/>
-              <a:cs typeface="Arial" panose="020B0604020202020204" pitchFamily="34" charset="0"/>
+            <a:endParaRPr lang="it-IT" sz="2400" dirty="0">
+              <a:solidFill>
+                <a:srgbClr val="172542"/>
+              </a:solidFill>
+              <a:latin typeface="Arial"/>
+              <a:ea typeface="+mj-ea"/>
+              <a:cs typeface="Arial"/>
             </a:endParaRPr>
           </a:p>
         </p:txBody>
@@ -12145,25 +12439,25 @@
           <p:nvPr>
             <p:extLst>
               <p:ext uri="{D42A27DB-BD31-4B8C-83A1-F6EECF244321}">
-                <p14:modId xmlns:p14="http://schemas.microsoft.com/office/powerpoint/2010/main" val="307451638"/>
+                <p14:modId xmlns:p14="http://schemas.microsoft.com/office/powerpoint/2010/main" val="2611541178"/>
               </p:ext>
             </p:extLst>
           </p:nvPr>
         </p:nvGraphicFramePr>
         <p:xfrm>
-          <a:off x="4737328" y="1374938"/>
-          <a:ext cx="7090828" cy="4108122"/>
+          <a:off x="4860000" y="1374775"/>
+          <a:ext cx="7092950" cy="4108450"/>
         </p:xfrm>
         <a:graphic>
           <a:graphicData uri="http://schemas.openxmlformats.org/presentationml/2006/ole">
             <mc:AlternateContent xmlns:mc="http://schemas.openxmlformats.org/markup-compatibility/2006">
               <mc:Choice xmlns:v="urn:schemas-microsoft-com:vml" Requires="v">
-                <p:oleObj name="Acrobat Document" r:id="rId3" imgW="4891827" imgH="2834308" progId="Acrobat.Document.DC">
+                <p:oleObj name="Acrobat Document" r:id="rId3" imgW="4891946" imgH="2834474" progId="Acrobat.Document.DC">
                   <p:embed/>
                 </p:oleObj>
               </mc:Choice>
               <mc:Fallback>
-                <p:oleObj name="Acrobat Document" r:id="rId3" imgW="4891827" imgH="2834308" progId="Acrobat.Document.DC">
+                <p:oleObj name="Acrobat Document" r:id="rId3" imgW="4891946" imgH="2834474" progId="Acrobat.Document.DC">
                   <p:embed/>
                   <p:pic>
                     <p:nvPicPr>
@@ -12179,8 +12473,8 @@
                     </p:blipFill>
                     <p:spPr>
                       <a:xfrm>
-                        <a:off x="4737328" y="1374938"/>
-                        <a:ext cx="7090828" cy="4108122"/>
+                        <a:off x="4860000" y="1374775"/>
+                        <a:ext cx="7092950" cy="4108450"/>
                       </a:xfrm>
                       <a:prstGeom prst="rect">
                         <a:avLst/>
@@ -12207,8 +12501,8 @@
         </p:nvSpPr>
         <p:spPr>
           <a:xfrm>
-            <a:off x="1143000" y="2551836"/>
-            <a:ext cx="3352800" cy="1754326"/>
+            <a:off x="853200" y="1800000"/>
+            <a:ext cx="3352800" cy="2308324"/>
           </a:xfrm>
           <a:prstGeom prst="rect">
             <a:avLst/>
@@ -12226,51 +12520,56 @@
               <a:buChar char="•"/>
             </a:pPr>
             <a:r>
-              <a:rPr lang="it-IT" dirty="0">
-                <a:solidFill>
-                  <a:srgbClr val="113864"/>
-                </a:solidFill>
-                <a:latin typeface="Arial" panose="020B0604020202020204" pitchFamily="34" charset="0"/>
-                <a:cs typeface="Arial" panose="020B0604020202020204" pitchFamily="34" charset="0"/>
+              <a:rPr lang="it-IT" sz="2400" dirty="0">
+                <a:solidFill>
+                  <a:srgbClr val="172542"/>
+                </a:solidFill>
+                <a:latin typeface="Arial"/>
+                <a:ea typeface="+mj-ea"/>
+                <a:cs typeface="Arial"/>
               </a:rPr>
               <a:t>Random </a:t>
             </a:r>
             <a:r>
-              <a:rPr lang="it-IT" dirty="0" err="1">
-                <a:solidFill>
-                  <a:srgbClr val="113864"/>
-                </a:solidFill>
-                <a:latin typeface="Arial" panose="020B0604020202020204" pitchFamily="34" charset="0"/>
-                <a:cs typeface="Arial" panose="020B0604020202020204" pitchFamily="34" charset="0"/>
+              <a:rPr lang="it-IT" sz="2400" dirty="0" err="1">
+                <a:solidFill>
+                  <a:srgbClr val="172542"/>
+                </a:solidFill>
+                <a:latin typeface="Arial"/>
+                <a:ea typeface="+mj-ea"/>
+                <a:cs typeface="Arial"/>
               </a:rPr>
               <a:t>forest</a:t>
             </a:r>
             <a:r>
-              <a:rPr lang="it-IT" dirty="0">
-                <a:solidFill>
-                  <a:srgbClr val="113864"/>
-                </a:solidFill>
-                <a:latin typeface="Arial" panose="020B0604020202020204" pitchFamily="34" charset="0"/>
-                <a:cs typeface="Arial" panose="020B0604020202020204" pitchFamily="34" charset="0"/>
+              <a:rPr lang="it-IT" sz="2400" dirty="0">
+                <a:solidFill>
+                  <a:srgbClr val="172542"/>
+                </a:solidFill>
+                <a:latin typeface="Arial"/>
+                <a:ea typeface="+mj-ea"/>
+                <a:cs typeface="Arial"/>
               </a:rPr>
               <a:t> build with 500 </a:t>
             </a:r>
             <a:r>
-              <a:rPr lang="it-IT" dirty="0" err="1">
-                <a:solidFill>
-                  <a:srgbClr val="113864"/>
-                </a:solidFill>
-                <a:latin typeface="Arial" panose="020B0604020202020204" pitchFamily="34" charset="0"/>
-                <a:cs typeface="Arial" panose="020B0604020202020204" pitchFamily="34" charset="0"/>
+              <a:rPr lang="it-IT" sz="2400" dirty="0" err="1">
+                <a:solidFill>
+                  <a:srgbClr val="172542"/>
+                </a:solidFill>
+                <a:latin typeface="Arial"/>
+                <a:ea typeface="+mj-ea"/>
+                <a:cs typeface="Arial"/>
               </a:rPr>
               <a:t>trees</a:t>
             </a:r>
-            <a:endParaRPr lang="it-IT" dirty="0">
+            <a:endParaRPr lang="it-IT" sz="2400" dirty="0">
               <a:solidFill>
-                <a:srgbClr val="113864"/>
+                <a:srgbClr val="172542"/>
               </a:solidFill>
-              <a:latin typeface="Arial" panose="020B0604020202020204" pitchFamily="34" charset="0"/>
-              <a:cs typeface="Arial" panose="020B0604020202020204" pitchFamily="34" charset="0"/>
+              <a:latin typeface="Arial"/>
+              <a:ea typeface="+mj-ea"/>
+              <a:cs typeface="Arial"/>
             </a:endParaRPr>
           </a:p>
           <a:p>
@@ -12278,12 +12577,13 @@
               <a:buFont typeface="Arial" panose="020B0604020202020204" pitchFamily="34" charset="0"/>
               <a:buChar char="•"/>
             </a:pPr>
-            <a:endParaRPr lang="it-IT" dirty="0">
+            <a:endParaRPr lang="it-IT" sz="2400" dirty="0">
               <a:solidFill>
-                <a:srgbClr val="113864"/>
+                <a:srgbClr val="172542"/>
               </a:solidFill>
-              <a:latin typeface="Arial" panose="020B0604020202020204" pitchFamily="34" charset="0"/>
-              <a:cs typeface="Arial" panose="020B0604020202020204" pitchFamily="34" charset="0"/>
+              <a:latin typeface="Arial"/>
+              <a:ea typeface="+mj-ea"/>
+              <a:cs typeface="Arial"/>
             </a:endParaRPr>
           </a:p>
           <a:p>
@@ -12292,104 +12592,103 @@
               <a:buChar char="•"/>
             </a:pPr>
             <a:r>
-              <a:rPr lang="it-IT" dirty="0">
-                <a:solidFill>
-                  <a:srgbClr val="113864"/>
-                </a:solidFill>
-                <a:latin typeface="Arial" panose="020B0604020202020204" pitchFamily="34" charset="0"/>
-                <a:cs typeface="Arial" panose="020B0604020202020204" pitchFamily="34" charset="0"/>
+              <a:rPr lang="it-IT" sz="2400" dirty="0">
+                <a:solidFill>
+                  <a:srgbClr val="172542"/>
+                </a:solidFill>
+                <a:latin typeface="Arial"/>
+                <a:ea typeface="+mj-ea"/>
+                <a:cs typeface="Arial"/>
               </a:rPr>
               <a:t>Cross-</a:t>
             </a:r>
             <a:r>
-              <a:rPr lang="it-IT" dirty="0" err="1">
-                <a:solidFill>
-                  <a:srgbClr val="113864"/>
-                </a:solidFill>
-                <a:latin typeface="Arial" panose="020B0604020202020204" pitchFamily="34" charset="0"/>
-                <a:cs typeface="Arial" panose="020B0604020202020204" pitchFamily="34" charset="0"/>
+              <a:rPr lang="it-IT" sz="2400" dirty="0" err="1">
+                <a:solidFill>
+                  <a:srgbClr val="172542"/>
+                </a:solidFill>
+                <a:latin typeface="Arial"/>
+                <a:ea typeface="+mj-ea"/>
+                <a:cs typeface="Arial"/>
               </a:rPr>
               <a:t>validation</a:t>
             </a:r>
             <a:r>
-              <a:rPr lang="it-IT" dirty="0">
-                <a:solidFill>
-                  <a:srgbClr val="113864"/>
-                </a:solidFill>
-                <a:latin typeface="Arial" panose="020B0604020202020204" pitchFamily="34" charset="0"/>
-                <a:cs typeface="Arial" panose="020B0604020202020204" pitchFamily="34" charset="0"/>
+              <a:rPr lang="it-IT" sz="2400" dirty="0">
+                <a:solidFill>
+                  <a:srgbClr val="172542"/>
+                </a:solidFill>
+                <a:latin typeface="Arial"/>
+                <a:ea typeface="+mj-ea"/>
+                <a:cs typeface="Arial"/>
               </a:rPr>
               <a:t> to </a:t>
             </a:r>
             <a:r>
-              <a:rPr lang="it-IT" dirty="0" err="1">
-                <a:solidFill>
-                  <a:srgbClr val="113864"/>
-                </a:solidFill>
-                <a:latin typeface="Arial" panose="020B0604020202020204" pitchFamily="34" charset="0"/>
-                <a:cs typeface="Arial" panose="020B0604020202020204" pitchFamily="34" charset="0"/>
+              <a:rPr lang="it-IT" sz="2400" dirty="0" err="1">
+                <a:solidFill>
+                  <a:srgbClr val="172542"/>
+                </a:solidFill>
+                <a:latin typeface="Arial"/>
+                <a:ea typeface="+mj-ea"/>
+                <a:cs typeface="Arial"/>
               </a:rPr>
               <a:t>find</a:t>
             </a:r>
             <a:r>
-              <a:rPr lang="it-IT" dirty="0">
-                <a:solidFill>
-                  <a:srgbClr val="113864"/>
-                </a:solidFill>
-                <a:latin typeface="Arial" panose="020B0604020202020204" pitchFamily="34" charset="0"/>
-                <a:cs typeface="Arial" panose="020B0604020202020204" pitchFamily="34" charset="0"/>
+              <a:rPr lang="it-IT" sz="2400" dirty="0">
+                <a:solidFill>
+                  <a:srgbClr val="172542"/>
+                </a:solidFill>
+                <a:latin typeface="Arial"/>
+                <a:ea typeface="+mj-ea"/>
+                <a:cs typeface="Arial"/>
               </a:rPr>
               <a:t> the best </a:t>
             </a:r>
             <a:r>
-              <a:rPr lang="it-IT" dirty="0" err="1">
-                <a:solidFill>
-                  <a:srgbClr val="113864"/>
-                </a:solidFill>
-                <a:latin typeface="Arial" panose="020B0604020202020204" pitchFamily="34" charset="0"/>
-                <a:cs typeface="Arial" panose="020B0604020202020204" pitchFamily="34" charset="0"/>
+              <a:rPr lang="it-IT" sz="2400" dirty="0" err="1">
+                <a:solidFill>
+                  <a:srgbClr val="172542"/>
+                </a:solidFill>
+                <a:latin typeface="Arial"/>
+                <a:ea typeface="+mj-ea"/>
+                <a:cs typeface="Arial"/>
               </a:rPr>
               <a:t>number</a:t>
             </a:r>
             <a:r>
-              <a:rPr lang="it-IT" dirty="0">
-                <a:solidFill>
-                  <a:srgbClr val="113864"/>
-                </a:solidFill>
-                <a:latin typeface="Arial" panose="020B0604020202020204" pitchFamily="34" charset="0"/>
-                <a:cs typeface="Arial" panose="020B0604020202020204" pitchFamily="34" charset="0"/>
+              <a:rPr lang="it-IT" sz="2400" dirty="0">
+                <a:solidFill>
+                  <a:srgbClr val="172542"/>
+                </a:solidFill>
+                <a:latin typeface="Arial"/>
+                <a:ea typeface="+mj-ea"/>
+                <a:cs typeface="Arial"/>
               </a:rPr>
               <a:t> of </a:t>
             </a:r>
             <a:r>
-              <a:rPr lang="it-IT" dirty="0" err="1">
-                <a:solidFill>
-                  <a:srgbClr val="113864"/>
-                </a:solidFill>
-                <a:latin typeface="Arial" panose="020B0604020202020204" pitchFamily="34" charset="0"/>
-                <a:cs typeface="Arial" panose="020B0604020202020204" pitchFamily="34" charset="0"/>
+              <a:rPr lang="it-IT" sz="2400" dirty="0" err="1">
+                <a:solidFill>
+                  <a:srgbClr val="172542"/>
+                </a:solidFill>
+                <a:latin typeface="Arial"/>
+                <a:ea typeface="+mj-ea"/>
+                <a:cs typeface="Arial"/>
               </a:rPr>
               <a:t>predictors</a:t>
             </a:r>
             <a:r>
-              <a:rPr lang="it-IT" dirty="0">
-                <a:solidFill>
-                  <a:srgbClr val="113864"/>
-                </a:solidFill>
-                <a:latin typeface="Arial" panose="020B0604020202020204" pitchFamily="34" charset="0"/>
-                <a:cs typeface="Arial" panose="020B0604020202020204" pitchFamily="34" charset="0"/>
-              </a:rPr>
-              <a:t> </a:t>
-            </a:r>
-            <a:r>
-              <a:rPr lang="it-IT" i="1" dirty="0">
-                <a:solidFill>
-                  <a:srgbClr val="113864"/>
-                </a:solidFill>
-                <a:latin typeface="Arial" panose="020B0604020202020204" pitchFamily="34" charset="0"/>
-                <a:cs typeface="Arial" panose="020B0604020202020204" pitchFamily="34" charset="0"/>
-              </a:rPr>
-              <a:t>m.</a:t>
+              <a:rPr lang="it-IT" sz="2400" dirty="0">
+                <a:solidFill>
+                  <a:srgbClr val="172542"/>
+                </a:solidFill>
+                <a:latin typeface="Arial"/>
+                <a:ea typeface="+mj-ea"/>
+                <a:cs typeface="Arial"/>
+              </a:rPr>
+              <a:t> m.</a:t>
             </a:r>
           </a:p>
         </p:txBody>
@@ -12507,13 +12806,13 @@
           <p:nvPr>
             <p:extLst>
               <p:ext uri="{D42A27DB-BD31-4B8C-83A1-F6EECF244321}">
-                <p14:modId xmlns:p14="http://schemas.microsoft.com/office/powerpoint/2010/main" val="3381885917"/>
+                <p14:modId xmlns:p14="http://schemas.microsoft.com/office/powerpoint/2010/main" val="2001760699"/>
               </p:ext>
             </p:extLst>
           </p:nvPr>
         </p:nvGraphicFramePr>
         <p:xfrm>
-          <a:off x="853845" y="1371599"/>
+          <a:off x="853845" y="1440000"/>
           <a:ext cx="3976821" cy="2304000"/>
         </p:xfrm>
         <a:graphic>
@@ -12541,7 +12840,7 @@
                     </p:blipFill>
                     <p:spPr>
                       <a:xfrm>
-                        <a:off x="853845" y="1371599"/>
+                        <a:off x="853845" y="1440000"/>
                         <a:ext cx="3976821" cy="2304000"/>
                       </a:xfrm>
                       <a:prstGeom prst="rect">
@@ -12570,13 +12869,13 @@
           <p:nvPr>
             <p:extLst>
               <p:ext uri="{D42A27DB-BD31-4B8C-83A1-F6EECF244321}">
-                <p14:modId xmlns:p14="http://schemas.microsoft.com/office/powerpoint/2010/main" val="1160258572"/>
+                <p14:modId xmlns:p14="http://schemas.microsoft.com/office/powerpoint/2010/main" val="3389464270"/>
               </p:ext>
             </p:extLst>
           </p:nvPr>
         </p:nvGraphicFramePr>
         <p:xfrm>
-          <a:off x="853845" y="3675599"/>
+          <a:off x="853845" y="3780000"/>
           <a:ext cx="3976820" cy="2304000"/>
         </p:xfrm>
         <a:graphic>
@@ -12604,7 +12903,7 @@
                     </p:blipFill>
                     <p:spPr>
                       <a:xfrm>
-                        <a:off x="853845" y="3675599"/>
+                        <a:off x="853845" y="3780000"/>
                         <a:ext cx="3976820" cy="2304000"/>
                       </a:xfrm>
                       <a:prstGeom prst="rect">
@@ -12633,13 +12932,13 @@
           <p:nvPr>
             <p:extLst>
               <p:ext uri="{D42A27DB-BD31-4B8C-83A1-F6EECF244321}">
-                <p14:modId xmlns:p14="http://schemas.microsoft.com/office/powerpoint/2010/main" val="414213019"/>
+                <p14:modId xmlns:p14="http://schemas.microsoft.com/office/powerpoint/2010/main" val="412591076"/>
               </p:ext>
             </p:extLst>
           </p:nvPr>
         </p:nvGraphicFramePr>
         <p:xfrm>
-          <a:off x="6096000" y="2037599"/>
+          <a:off x="6095998" y="2106000"/>
           <a:ext cx="5654543" cy="3276000"/>
         </p:xfrm>
         <a:graphic>
@@ -12667,7 +12966,7 @@
                     </p:blipFill>
                     <p:spPr>
                       <a:xfrm>
-                        <a:off x="6096000" y="2037599"/>
+                        <a:off x="6095998" y="2106000"/>
                         <a:ext cx="5654543" cy="3276000"/>
                       </a:xfrm>
                       <a:prstGeom prst="rect">
@@ -12695,7 +12994,7 @@
         </p:nvSpPr>
         <p:spPr>
           <a:xfrm>
-            <a:off x="5082332" y="3399562"/>
+            <a:off x="5082331" y="3467963"/>
             <a:ext cx="762000" cy="552074"/>
           </a:xfrm>
           <a:prstGeom prst="rightArrow">
@@ -12741,8 +13040,8 @@
         </p:nvSpPr>
         <p:spPr>
           <a:xfrm>
-            <a:off x="6553200" y="5313599"/>
-            <a:ext cx="3657600" cy="646331"/>
+            <a:off x="5905499" y="5257800"/>
+            <a:ext cx="6035540" cy="461665"/>
           </a:xfrm>
           <a:prstGeom prst="rect">
             <a:avLst/>
@@ -12756,37 +13055,57 @@
           <a:lstStyle/>
           <a:p>
             <a:r>
-              <a:rPr lang="it-IT" dirty="0">
-                <a:latin typeface="Arial" panose="020B0604020202020204" pitchFamily="34" charset="0"/>
-                <a:cs typeface="Arial" panose="020B0604020202020204" pitchFamily="34" charset="0"/>
+              <a:rPr lang="it-IT" sz="2400" dirty="0">
+                <a:solidFill>
+                  <a:srgbClr val="172542"/>
+                </a:solidFill>
+                <a:latin typeface="Arial"/>
+                <a:ea typeface="+mj-ea"/>
+                <a:cs typeface="Arial"/>
               </a:rPr>
               <a:t>Random </a:t>
             </a:r>
             <a:r>
-              <a:rPr lang="it-IT" dirty="0" err="1">
-                <a:latin typeface="Arial" panose="020B0604020202020204" pitchFamily="34" charset="0"/>
-                <a:cs typeface="Arial" panose="020B0604020202020204" pitchFamily="34" charset="0"/>
+              <a:rPr lang="it-IT" sz="2400" dirty="0" err="1">
+                <a:solidFill>
+                  <a:srgbClr val="172542"/>
+                </a:solidFill>
+                <a:latin typeface="Arial"/>
+                <a:ea typeface="+mj-ea"/>
+                <a:cs typeface="Arial"/>
               </a:rPr>
               <a:t>forest</a:t>
             </a:r>
             <a:r>
-              <a:rPr lang="it-IT" dirty="0">
-                <a:latin typeface="Arial" panose="020B0604020202020204" pitchFamily="34" charset="0"/>
-                <a:cs typeface="Arial" panose="020B0604020202020204" pitchFamily="34" charset="0"/>
+              <a:rPr lang="it-IT" sz="2400" dirty="0">
+                <a:solidFill>
+                  <a:srgbClr val="172542"/>
+                </a:solidFill>
+                <a:latin typeface="Arial"/>
+                <a:ea typeface="+mj-ea"/>
+                <a:cs typeface="Arial"/>
               </a:rPr>
               <a:t> </a:t>
             </a:r>
             <a:r>
-              <a:rPr lang="it-IT" dirty="0" err="1">
-                <a:latin typeface="Arial" panose="020B0604020202020204" pitchFamily="34" charset="0"/>
-                <a:cs typeface="Arial" panose="020B0604020202020204" pitchFamily="34" charset="0"/>
+              <a:rPr lang="it-IT" sz="2400" dirty="0" err="1">
+                <a:solidFill>
+                  <a:srgbClr val="172542"/>
+                </a:solidFill>
+                <a:latin typeface="Arial"/>
+                <a:ea typeface="+mj-ea"/>
+                <a:cs typeface="Arial"/>
               </a:rPr>
               <a:t>performs</a:t>
             </a:r>
             <a:r>
-              <a:rPr lang="it-IT" dirty="0">
-                <a:latin typeface="Arial" panose="020B0604020202020204" pitchFamily="34" charset="0"/>
-                <a:cs typeface="Arial" panose="020B0604020202020204" pitchFamily="34" charset="0"/>
+              <a:rPr lang="it-IT" sz="2400" dirty="0">
+                <a:solidFill>
+                  <a:srgbClr val="172542"/>
+                </a:solidFill>
+                <a:latin typeface="Arial"/>
+                <a:ea typeface="+mj-ea"/>
+                <a:cs typeface="Arial"/>
               </a:rPr>
               <a:t> better on test data</a:t>
             </a:r>
@@ -12906,13 +13225,13 @@
           <p:nvPr>
             <p:extLst>
               <p:ext uri="{D42A27DB-BD31-4B8C-83A1-F6EECF244321}">
-                <p14:modId xmlns:p14="http://schemas.microsoft.com/office/powerpoint/2010/main" val="552968513"/>
+                <p14:modId xmlns:p14="http://schemas.microsoft.com/office/powerpoint/2010/main" val="2292233459"/>
               </p:ext>
             </p:extLst>
           </p:nvPr>
         </p:nvGraphicFramePr>
         <p:xfrm>
-          <a:off x="6400800" y="1752600"/>
+          <a:off x="6408000" y="1800000"/>
           <a:ext cx="5219576" cy="3024000"/>
         </p:xfrm>
         <a:graphic>
@@ -12940,7 +13259,7 @@
                     </p:blipFill>
                     <p:spPr>
                       <a:xfrm>
-                        <a:off x="6400800" y="1752600"/>
+                        <a:off x="6408000" y="1800000"/>
                         <a:ext cx="5219576" cy="3024000"/>
                       </a:xfrm>
                       <a:prstGeom prst="rect">
@@ -12969,13 +13288,13 @@
           <p:nvPr>
             <p:extLst>
               <p:ext uri="{D42A27DB-BD31-4B8C-83A1-F6EECF244321}">
-                <p14:modId xmlns:p14="http://schemas.microsoft.com/office/powerpoint/2010/main" val="2432018317"/>
+                <p14:modId xmlns:p14="http://schemas.microsoft.com/office/powerpoint/2010/main" val="20165642"/>
               </p:ext>
             </p:extLst>
           </p:nvPr>
         </p:nvGraphicFramePr>
         <p:xfrm>
-          <a:off x="853845" y="1752600"/>
+          <a:off x="576000" y="1800000"/>
           <a:ext cx="5219578" cy="3024000"/>
         </p:xfrm>
         <a:graphic>
@@ -13003,7 +13322,7 @@
                     </p:blipFill>
                     <p:spPr>
                       <a:xfrm>
-                        <a:off x="853845" y="1752600"/>
+                        <a:off x="576000" y="1800000"/>
                         <a:ext cx="5219578" cy="3024000"/>
                       </a:xfrm>
                       <a:prstGeom prst="rect">
@@ -13101,8 +13420,8 @@
           </a:p>
         </p:txBody>
       </p:sp>
-      <mc:AlternateContent xmlns:mc="http://schemas.openxmlformats.org/markup-compatibility/2006">
-        <mc:Choice xmlns:a14="http://schemas.microsoft.com/office/drawing/2010/main" Requires="a14">
+      <mc:AlternateContent xmlns:mc="http://schemas.openxmlformats.org/markup-compatibility/2006" xmlns:a14="http://schemas.microsoft.com/office/drawing/2010/main">
+        <mc:Choice Requires="a14">
           <p:sp>
             <p:nvSpPr>
               <p:cNvPr id="4" name="CasellaDiTesto 3">
@@ -13117,8 +13436,8 @@
             </p:nvSpPr>
             <p:spPr>
               <a:xfrm>
-                <a:off x="853845" y="1828800"/>
-                <a:ext cx="3108555" cy="1785104"/>
+                <a:off x="853845" y="1800000"/>
+                <a:ext cx="4022955" cy="2246769"/>
               </a:xfrm>
               <a:prstGeom prst="rect">
                 <a:avLst/>
@@ -13139,36 +13458,56 @@
                   <a:buChar char="•"/>
                 </a:pPr>
                 <a:r>
-                  <a:rPr lang="it-IT" dirty="0">
-                    <a:latin typeface="Arial" panose="020B0604020202020204" pitchFamily="34" charset="0"/>
-                    <a:cs typeface="Arial" panose="020B0604020202020204" pitchFamily="34" charset="0"/>
+                  <a:rPr lang="it-IT" sz="2400" dirty="0">
+                    <a:solidFill>
+                      <a:srgbClr val="172542"/>
+                    </a:solidFill>
+                    <a:latin typeface="Arial"/>
+                    <a:ea typeface="+mj-ea"/>
+                    <a:cs typeface="Arial"/>
                   </a:rPr>
                   <a:t>Application of </a:t>
                 </a:r>
                 <a:r>
-                  <a:rPr lang="it-IT" dirty="0" err="1">
-                    <a:latin typeface="Arial" panose="020B0604020202020204" pitchFamily="34" charset="0"/>
-                    <a:cs typeface="Arial" panose="020B0604020202020204" pitchFamily="34" charset="0"/>
+                  <a:rPr lang="it-IT" sz="2400" dirty="0" err="1">
+                    <a:solidFill>
+                      <a:srgbClr val="172542"/>
+                    </a:solidFill>
+                    <a:latin typeface="Arial"/>
+                    <a:ea typeface="+mj-ea"/>
+                    <a:cs typeface="Arial"/>
                   </a:rPr>
                   <a:t>boosting</a:t>
                 </a:r>
                 <a:r>
-                  <a:rPr lang="it-IT" dirty="0">
-                    <a:latin typeface="Arial" panose="020B0604020202020204" pitchFamily="34" charset="0"/>
-                    <a:cs typeface="Arial" panose="020B0604020202020204" pitchFamily="34" charset="0"/>
+                  <a:rPr lang="it-IT" sz="2400" dirty="0">
+                    <a:solidFill>
+                      <a:srgbClr val="172542"/>
+                    </a:solidFill>
+                    <a:latin typeface="Arial"/>
+                    <a:ea typeface="+mj-ea"/>
+                    <a:cs typeface="Arial"/>
                   </a:rPr>
                   <a:t> with 5000 </a:t>
                 </a:r>
                 <a:r>
-                  <a:rPr lang="it-IT" dirty="0" err="1">
-                    <a:latin typeface="Arial" panose="020B0604020202020204" pitchFamily="34" charset="0"/>
-                    <a:cs typeface="Arial" panose="020B0604020202020204" pitchFamily="34" charset="0"/>
+                  <a:rPr lang="it-IT" sz="2400" dirty="0" err="1">
+                    <a:solidFill>
+                      <a:srgbClr val="172542"/>
+                    </a:solidFill>
+                    <a:latin typeface="Arial"/>
+                    <a:ea typeface="+mj-ea"/>
+                    <a:cs typeface="Arial"/>
                   </a:rPr>
                   <a:t>iterations</a:t>
                 </a:r>
-                <a:endParaRPr lang="it-IT" dirty="0">
-                  <a:latin typeface="Arial" panose="020B0604020202020204" pitchFamily="34" charset="0"/>
-                  <a:cs typeface="Arial" panose="020B0604020202020204" pitchFamily="34" charset="0"/>
+                <a:endParaRPr lang="it-IT" sz="2400" dirty="0">
+                  <a:solidFill>
+                    <a:srgbClr val="172542"/>
+                  </a:solidFill>
+                  <a:latin typeface="Arial"/>
+                  <a:ea typeface="+mj-ea"/>
+                  <a:cs typeface="Arial"/>
                 </a:endParaRPr>
               </a:p>
               <a:p>
@@ -13182,25 +13521,34 @@
                 <a14:m>
                   <m:oMath xmlns:m="http://schemas.openxmlformats.org/officeDocument/2006/math">
                     <m:r>
-                      <a:rPr lang="it-IT" i="1" smtClean="0">
+                      <a:rPr lang="it-IT" sz="2400">
+                        <a:solidFill>
+                          <a:srgbClr val="172542"/>
+                        </a:solidFill>
                         <a:latin typeface="Cambria Math" panose="02040503050406030204" pitchFamily="18" charset="0"/>
-                        <a:ea typeface="Cambria Math" panose="02040503050406030204" pitchFamily="18" charset="0"/>
+                        <a:ea typeface="+mj-ea"/>
                       </a:rPr>
                       <m:t>𝜆</m:t>
                     </m:r>
                     <m:r>
-                      <a:rPr lang="it-IT" b="0" i="1" smtClean="0">
+                      <a:rPr lang="it-IT" sz="2400">
+                        <a:solidFill>
+                          <a:srgbClr val="172542"/>
+                        </a:solidFill>
                         <a:latin typeface="Cambria Math" panose="02040503050406030204" pitchFamily="18" charset="0"/>
-                        <a:ea typeface="Cambria Math" panose="02040503050406030204" pitchFamily="18" charset="0"/>
+                        <a:ea typeface="+mj-ea"/>
                       </a:rPr>
                       <m:t>=0.001</m:t>
                     </m:r>
                   </m:oMath>
                 </a14:m>
-                <a:endParaRPr lang="it-IT" b="0" dirty="0">
-                  <a:latin typeface="Arial" panose="020B0604020202020204" pitchFamily="34" charset="0"/>
-                  <a:ea typeface="Cambria Math" panose="02040503050406030204" pitchFamily="18" charset="0"/>
-                  <a:cs typeface="Arial" panose="020B0604020202020204" pitchFamily="34" charset="0"/>
+                <a:endParaRPr lang="it-IT" sz="2400" dirty="0">
+                  <a:solidFill>
+                    <a:srgbClr val="172542"/>
+                  </a:solidFill>
+                  <a:latin typeface="Arial"/>
+                  <a:ea typeface="+mj-ea"/>
+                  <a:cs typeface="Arial"/>
                 </a:endParaRPr>
               </a:p>
               <a:p>
@@ -13212,56 +13560,84 @@
                   <a:buChar char="•"/>
                 </a:pPr>
                 <a:r>
-                  <a:rPr lang="it-IT" dirty="0">
-                    <a:latin typeface="Arial" panose="020B0604020202020204" pitchFamily="34" charset="0"/>
-                    <a:cs typeface="Arial" panose="020B0604020202020204" pitchFamily="34" charset="0"/>
+                  <a:rPr lang="it-IT" sz="2400" dirty="0">
+                    <a:solidFill>
+                      <a:srgbClr val="172542"/>
+                    </a:solidFill>
+                    <a:latin typeface="Arial"/>
+                    <a:ea typeface="+mj-ea"/>
+                    <a:cs typeface="Arial"/>
                   </a:rPr>
                   <a:t>Best </a:t>
                 </a:r>
                 <a:r>
-                  <a:rPr lang="it-IT" dirty="0" err="1">
-                    <a:latin typeface="Arial" panose="020B0604020202020204" pitchFamily="34" charset="0"/>
-                    <a:cs typeface="Arial" panose="020B0604020202020204" pitchFamily="34" charset="0"/>
+                  <a:rPr lang="it-IT" sz="2400" dirty="0" err="1">
+                    <a:solidFill>
+                      <a:srgbClr val="172542"/>
+                    </a:solidFill>
+                    <a:latin typeface="Arial"/>
+                    <a:ea typeface="+mj-ea"/>
+                    <a:cs typeface="Arial"/>
                   </a:rPr>
                   <a:t>iteration</a:t>
                 </a:r>
                 <a:r>
-                  <a:rPr lang="it-IT" dirty="0">
-                    <a:latin typeface="Arial" panose="020B0604020202020204" pitchFamily="34" charset="0"/>
-                    <a:cs typeface="Arial" panose="020B0604020202020204" pitchFamily="34" charset="0"/>
+                  <a:rPr lang="it-IT" sz="2400" dirty="0">
+                    <a:solidFill>
+                      <a:srgbClr val="172542"/>
+                    </a:solidFill>
+                    <a:latin typeface="Arial"/>
+                    <a:ea typeface="+mj-ea"/>
+                    <a:cs typeface="Arial"/>
                   </a:rPr>
                   <a:t> </a:t>
                 </a:r>
                 <a:r>
-                  <a:rPr lang="it-IT" dirty="0" err="1">
-                    <a:latin typeface="Arial" panose="020B0604020202020204" pitchFamily="34" charset="0"/>
-                    <a:cs typeface="Arial" panose="020B0604020202020204" pitchFamily="34" charset="0"/>
+                  <a:rPr lang="it-IT" sz="2400" dirty="0" err="1">
+                    <a:solidFill>
+                      <a:srgbClr val="172542"/>
+                    </a:solidFill>
+                    <a:latin typeface="Arial"/>
+                    <a:ea typeface="+mj-ea"/>
+                    <a:cs typeface="Arial"/>
                   </a:rPr>
                   <a:t>choosen</a:t>
                 </a:r>
                 <a:r>
-                  <a:rPr lang="it-IT" dirty="0">
-                    <a:latin typeface="Arial" panose="020B0604020202020204" pitchFamily="34" charset="0"/>
-                    <a:cs typeface="Arial" panose="020B0604020202020204" pitchFamily="34" charset="0"/>
+                  <a:rPr lang="it-IT" sz="2400" dirty="0">
+                    <a:solidFill>
+                      <a:srgbClr val="172542"/>
+                    </a:solidFill>
+                    <a:latin typeface="Arial"/>
+                    <a:ea typeface="+mj-ea"/>
+                    <a:cs typeface="Arial"/>
                   </a:rPr>
                   <a:t> with cross-</a:t>
                 </a:r>
                 <a:r>
-                  <a:rPr lang="it-IT" dirty="0" err="1">
-                    <a:latin typeface="Arial" panose="020B0604020202020204" pitchFamily="34" charset="0"/>
-                    <a:cs typeface="Arial" panose="020B0604020202020204" pitchFamily="34" charset="0"/>
+                  <a:rPr lang="it-IT" sz="2400" dirty="0" err="1">
+                    <a:solidFill>
+                      <a:srgbClr val="172542"/>
+                    </a:solidFill>
+                    <a:latin typeface="Arial"/>
+                    <a:ea typeface="+mj-ea"/>
+                    <a:cs typeface="Arial"/>
                   </a:rPr>
                   <a:t>validation</a:t>
                 </a:r>
-                <a:endParaRPr lang="it-IT" dirty="0">
-                  <a:latin typeface="Arial" panose="020B0604020202020204" pitchFamily="34" charset="0"/>
-                  <a:cs typeface="Arial" panose="020B0604020202020204" pitchFamily="34" charset="0"/>
+                <a:endParaRPr lang="it-IT" sz="2400" dirty="0">
+                  <a:solidFill>
+                    <a:srgbClr val="172542"/>
+                  </a:solidFill>
+                  <a:latin typeface="Arial"/>
+                  <a:ea typeface="+mj-ea"/>
+                  <a:cs typeface="Arial"/>
                 </a:endParaRPr>
               </a:p>
             </p:txBody>
           </p:sp>
         </mc:Choice>
-        <mc:Fallback>
+        <mc:Fallback xmlns="">
           <p:sp>
             <p:nvSpPr>
               <p:cNvPr id="4" name="CasellaDiTesto 3">
@@ -13278,8 +13654,8 @@
             </p:nvSpPr>
             <p:spPr>
               <a:xfrm>
-                <a:off x="853845" y="1828800"/>
-                <a:ext cx="3108555" cy="1785104"/>
+                <a:off x="853845" y="1800000"/>
+                <a:ext cx="4022955" cy="2246769"/>
               </a:xfrm>
               <a:prstGeom prst="rect">
                 <a:avLst/>
@@ -13287,7 +13663,7 @@
               <a:blipFill>
                 <a:blip r:embed="rId3"/>
                 <a:stretch>
-                  <a:fillRect l="-1176" t="-1706" b="-4437"/>
+                  <a:fillRect l="-1970" t="-1897" b="-5420"/>
                 </a:stretch>
               </a:blipFill>
             </p:spPr>
@@ -13321,13 +13697,13 @@
           <p:nvPr>
             <p:extLst>
               <p:ext uri="{D42A27DB-BD31-4B8C-83A1-F6EECF244321}">
-                <p14:modId xmlns:p14="http://schemas.microsoft.com/office/powerpoint/2010/main" val="3500582563"/>
+                <p14:modId xmlns:p14="http://schemas.microsoft.com/office/powerpoint/2010/main" val="2427661296"/>
               </p:ext>
             </p:extLst>
           </p:nvPr>
         </p:nvGraphicFramePr>
         <p:xfrm>
-          <a:off x="5407209" y="1200150"/>
+          <a:off x="5400000" y="1440000"/>
           <a:ext cx="5942730" cy="4457700"/>
         </p:xfrm>
         <a:graphic>
@@ -13355,7 +13731,7 @@
                     </p:blipFill>
                     <p:spPr>
                       <a:xfrm>
-                        <a:off x="5407209" y="1200150"/>
+                        <a:off x="5400000" y="1440000"/>
                         <a:ext cx="5942730" cy="4457700"/>
                       </a:xfrm>
                       <a:prstGeom prst="rect">
@@ -13391,7 +13767,7 @@
         </p:blipFill>
         <p:spPr>
           <a:xfrm>
-            <a:off x="853845" y="4210427"/>
+            <a:off x="1288154" y="4602300"/>
             <a:ext cx="3154336" cy="1295400"/>
           </a:xfrm>
           <a:prstGeom prst="rect">
@@ -13499,8 +13875,8 @@
         </p:nvSpPr>
         <p:spPr>
           <a:xfrm>
-            <a:off x="1676400" y="1371600"/>
-            <a:ext cx="9966555" cy="444352"/>
+            <a:off x="853200" y="1440000"/>
+            <a:ext cx="9966555" cy="382797"/>
           </a:xfrm>
           <a:prstGeom prst="rect">
             <a:avLst/>
@@ -13529,34 +13905,34 @@
               </a:spcBef>
             </a:pPr>
             <a:r>
-              <a:rPr lang="it-IT" sz="2800" kern="0" dirty="0">
+              <a:rPr lang="it-IT" sz="2400" kern="0" dirty="0">
                 <a:latin typeface="Arial"/>
                 <a:cs typeface="Arial"/>
               </a:rPr>
               <a:t>K-</a:t>
             </a:r>
             <a:r>
-              <a:rPr lang="it-IT" sz="2800" kern="0" dirty="0" err="1">
+              <a:rPr lang="it-IT" sz="2400" kern="0" dirty="0" err="1">
                 <a:latin typeface="Arial"/>
                 <a:cs typeface="Arial"/>
               </a:rPr>
               <a:t>nearest</a:t>
             </a:r>
             <a:r>
-              <a:rPr lang="it-IT" sz="2800" kern="0" dirty="0">
+              <a:rPr lang="it-IT" sz="2400" kern="0" dirty="0">
                 <a:latin typeface="Arial"/>
                 <a:cs typeface="Arial"/>
               </a:rPr>
               <a:t>-</a:t>
             </a:r>
             <a:r>
-              <a:rPr lang="it-IT" sz="2800" kern="0" dirty="0" err="1">
+              <a:rPr lang="it-IT" sz="2400" kern="0" dirty="0" err="1">
                 <a:latin typeface="Arial"/>
                 <a:cs typeface="Arial"/>
               </a:rPr>
               <a:t>neighbors</a:t>
             </a:r>
-            <a:endParaRPr lang="it-IT" sz="3200" kern="0" dirty="0">
+            <a:endParaRPr lang="it-IT" sz="2400" kern="0" dirty="0">
               <a:latin typeface="Arial"/>
               <a:cs typeface="Arial"/>
             </a:endParaRPr>
@@ -13579,8 +13955,8 @@
         </p:nvSpPr>
         <p:spPr>
           <a:xfrm>
-            <a:off x="1676400" y="3076559"/>
-            <a:ext cx="9966555" cy="444352"/>
+            <a:off x="853200" y="3420000"/>
+            <a:ext cx="9966555" cy="382797"/>
           </a:xfrm>
           <a:prstGeom prst="rect">
             <a:avLst/>
@@ -13609,21 +13985,21 @@
               </a:spcBef>
             </a:pPr>
             <a:r>
-              <a:rPr lang="it-IT" sz="2800" kern="0" dirty="0">
+              <a:rPr lang="it-IT" sz="2400" kern="0" dirty="0">
                 <a:latin typeface="Arial"/>
                 <a:cs typeface="Arial"/>
               </a:rPr>
               <a:t>Support </a:t>
             </a:r>
             <a:r>
-              <a:rPr lang="it-IT" sz="2800" kern="0" dirty="0" err="1">
+              <a:rPr lang="it-IT" sz="2400" kern="0" dirty="0" err="1">
                 <a:latin typeface="Arial"/>
                 <a:cs typeface="Arial"/>
               </a:rPr>
               <a:t>vector</a:t>
             </a:r>
             <a:r>
-              <a:rPr lang="it-IT" sz="2800" kern="0" dirty="0">
+              <a:rPr lang="it-IT" sz="2400" kern="0" dirty="0">
                 <a:latin typeface="Arial"/>
                 <a:cs typeface="Arial"/>
               </a:rPr>
@@ -13648,8 +14024,8 @@
         </p:nvSpPr>
         <p:spPr>
           <a:xfrm>
-            <a:off x="2212877" y="2060866"/>
-            <a:ext cx="3806924" cy="580287"/>
+            <a:off x="853200" y="2052000"/>
+            <a:ext cx="3806924" cy="641842"/>
           </a:xfrm>
           <a:prstGeom prst="rect">
             <a:avLst/>
@@ -13680,7 +14056,7 @@
               <a:buChar char="•"/>
             </a:pPr>
             <a:r>
-              <a:rPr lang="it-IT" sz="1800" kern="0" dirty="0">
+              <a:rPr lang="it-IT" sz="2000" dirty="0">
                 <a:latin typeface="Arial"/>
                 <a:cs typeface="Arial"/>
               </a:rPr>
@@ -13696,20 +14072,20 @@
               <a:buChar char="•"/>
             </a:pPr>
             <a:r>
-              <a:rPr lang="it-IT" sz="1800" kern="0" dirty="0">
+              <a:rPr lang="it-IT" sz="2000" dirty="0">
                 <a:latin typeface="Arial"/>
                 <a:cs typeface="Arial"/>
               </a:rPr>
               <a:t>No </a:t>
             </a:r>
             <a:r>
-              <a:rPr lang="it-IT" sz="1800" kern="0" dirty="0" err="1">
+              <a:rPr lang="it-IT" sz="2000" dirty="0" err="1">
                 <a:latin typeface="Arial"/>
                 <a:cs typeface="Arial"/>
               </a:rPr>
               <a:t>improvements</a:t>
             </a:r>
-            <a:endParaRPr lang="it-IT" sz="2000" kern="0" dirty="0">
+            <a:endParaRPr lang="it-IT" sz="2000" dirty="0">
               <a:latin typeface="Arial"/>
               <a:cs typeface="Arial"/>
             </a:endParaRPr>
@@ -13738,7 +14114,7 @@
         </p:blipFill>
         <p:spPr>
           <a:xfrm>
-            <a:off x="2590799" y="3750203"/>
+            <a:off x="5836477" y="4032000"/>
             <a:ext cx="3143683" cy="1507597"/>
           </a:xfrm>
           <a:prstGeom prst="rect">
@@ -13762,8 +14138,8 @@
         </p:nvSpPr>
         <p:spPr>
           <a:xfrm>
-            <a:off x="5837122" y="4536209"/>
-            <a:ext cx="3806924" cy="580287"/>
+            <a:off x="853200" y="4032000"/>
+            <a:ext cx="3806924" cy="641842"/>
           </a:xfrm>
           <a:prstGeom prst="rect">
             <a:avLst/>
@@ -13794,20 +14170,20 @@
               <a:buChar char="•"/>
             </a:pPr>
             <a:r>
-              <a:rPr lang="it-IT" sz="1800" kern="0" dirty="0">
+              <a:rPr lang="it-IT" sz="2000" dirty="0">
                 <a:latin typeface="Arial"/>
                 <a:cs typeface="Arial"/>
               </a:rPr>
               <a:t>Different kernels </a:t>
             </a:r>
             <a:r>
-              <a:rPr lang="it-IT" sz="1800" kern="0" dirty="0" err="1">
+              <a:rPr lang="it-IT" sz="2000" dirty="0" err="1">
                 <a:latin typeface="Arial"/>
                 <a:cs typeface="Arial"/>
               </a:rPr>
               <a:t>applied</a:t>
             </a:r>
-            <a:endParaRPr lang="it-IT" sz="1800" kern="0" dirty="0">
+            <a:endParaRPr lang="it-IT" sz="2000" dirty="0">
               <a:latin typeface="Arial"/>
               <a:cs typeface="Arial"/>
             </a:endParaRPr>
@@ -13821,20 +14197,20 @@
               <a:buChar char="•"/>
             </a:pPr>
             <a:r>
-              <a:rPr lang="it-IT" sz="1800" kern="0" dirty="0">
+              <a:rPr lang="it-IT" sz="2000" dirty="0">
                 <a:latin typeface="Arial"/>
                 <a:cs typeface="Arial"/>
               </a:rPr>
               <a:t>No </a:t>
             </a:r>
             <a:r>
-              <a:rPr lang="it-IT" sz="1800" kern="0" dirty="0" err="1">
+              <a:rPr lang="it-IT" sz="2000" dirty="0" err="1">
                 <a:latin typeface="Arial"/>
                 <a:cs typeface="Arial"/>
               </a:rPr>
               <a:t>improvements</a:t>
             </a:r>
-            <a:endParaRPr lang="it-IT" sz="2000" kern="0" dirty="0">
+            <a:endParaRPr lang="it-IT" sz="2000" dirty="0">
               <a:latin typeface="Arial"/>
               <a:cs typeface="Arial"/>
             </a:endParaRPr>
@@ -13940,7 +14316,7 @@
         </p:blipFill>
         <p:spPr>
           <a:xfrm>
-            <a:off x="5410200" y="1524000"/>
+            <a:off x="5375520" y="1800000"/>
             <a:ext cx="6231862" cy="3810000"/>
           </a:xfrm>
           <a:prstGeom prst="rect">
@@ -13962,8 +14338,8 @@
         </p:nvSpPr>
         <p:spPr>
           <a:xfrm>
-            <a:off x="685800" y="1981200"/>
-            <a:ext cx="4522320" cy="2031325"/>
+            <a:off x="853200" y="1800000"/>
+            <a:ext cx="4522320" cy="3046988"/>
           </a:xfrm>
           <a:prstGeom prst="rect">
             <a:avLst/>
@@ -13981,23 +14357,35 @@
               <a:buChar char="•"/>
             </a:pPr>
             <a:r>
-              <a:rPr lang="it-IT" dirty="0">
-                <a:latin typeface="Arial" panose="020B0604020202020204" pitchFamily="34" charset="0"/>
-                <a:cs typeface="Arial" panose="020B0604020202020204" pitchFamily="34" charset="0"/>
+              <a:rPr lang="it-IT" sz="2400" dirty="0">
+                <a:solidFill>
+                  <a:srgbClr val="172542"/>
+                </a:solidFill>
+                <a:latin typeface="Arial"/>
+                <a:ea typeface="+mj-ea"/>
+                <a:cs typeface="Arial"/>
               </a:rPr>
               <a:t>Limit on the </a:t>
             </a:r>
             <a:r>
-              <a:rPr lang="it-IT" dirty="0" err="1">
-                <a:latin typeface="Arial" panose="020B0604020202020204" pitchFamily="34" charset="0"/>
-                <a:cs typeface="Arial" panose="020B0604020202020204" pitchFamily="34" charset="0"/>
+              <a:rPr lang="it-IT" sz="2400" dirty="0" err="1">
+                <a:solidFill>
+                  <a:srgbClr val="172542"/>
+                </a:solidFill>
+                <a:latin typeface="Arial"/>
+                <a:ea typeface="+mj-ea"/>
+                <a:cs typeface="Arial"/>
               </a:rPr>
               <a:t>achievable</a:t>
             </a:r>
             <a:r>
-              <a:rPr lang="it-IT" dirty="0">
-                <a:latin typeface="Arial" panose="020B0604020202020204" pitchFamily="34" charset="0"/>
-                <a:cs typeface="Arial" panose="020B0604020202020204" pitchFamily="34" charset="0"/>
+              <a:rPr lang="it-IT" sz="2400" dirty="0">
+                <a:solidFill>
+                  <a:srgbClr val="172542"/>
+                </a:solidFill>
+                <a:latin typeface="Arial"/>
+                <a:ea typeface="+mj-ea"/>
+                <a:cs typeface="Arial"/>
               </a:rPr>
               <a:t> performances around 70%</a:t>
             </a:r>
@@ -14007,9 +14395,13 @@
               <a:buFont typeface="Arial" panose="020B0604020202020204" pitchFamily="34" charset="0"/>
               <a:buChar char="•"/>
             </a:pPr>
-            <a:endParaRPr lang="it-IT" dirty="0">
-              <a:latin typeface="Arial" panose="020B0604020202020204" pitchFamily="34" charset="0"/>
-              <a:cs typeface="Arial" panose="020B0604020202020204" pitchFamily="34" charset="0"/>
+            <a:endParaRPr lang="it-IT" sz="2400" dirty="0">
+              <a:solidFill>
+                <a:srgbClr val="172542"/>
+              </a:solidFill>
+              <a:latin typeface="Arial"/>
+              <a:ea typeface="+mj-ea"/>
+              <a:cs typeface="Arial"/>
             </a:endParaRPr>
           </a:p>
           <a:p>
@@ -14018,37 +14410,57 @@
               <a:buChar char="•"/>
             </a:pPr>
             <a:r>
-              <a:rPr lang="it-IT" dirty="0">
-                <a:latin typeface="Arial" panose="020B0604020202020204" pitchFamily="34" charset="0"/>
-                <a:cs typeface="Arial" panose="020B0604020202020204" pitchFamily="34" charset="0"/>
+              <a:rPr lang="it-IT" sz="2400" dirty="0">
+                <a:solidFill>
+                  <a:srgbClr val="172542"/>
+                </a:solidFill>
+                <a:latin typeface="Arial"/>
+                <a:ea typeface="+mj-ea"/>
+                <a:cs typeface="Arial"/>
               </a:rPr>
               <a:t>‘GP’ </a:t>
             </a:r>
             <a:r>
-              <a:rPr lang="it-IT" dirty="0" err="1">
-                <a:latin typeface="Arial" panose="020B0604020202020204" pitchFamily="34" charset="0"/>
-                <a:cs typeface="Arial" panose="020B0604020202020204" pitchFamily="34" charset="0"/>
+              <a:rPr lang="it-IT" sz="2400" dirty="0" err="1">
+                <a:solidFill>
+                  <a:srgbClr val="172542"/>
+                </a:solidFill>
+                <a:latin typeface="Arial"/>
+                <a:ea typeface="+mj-ea"/>
+                <a:cs typeface="Arial"/>
               </a:rPr>
               <a:t>is</a:t>
             </a:r>
             <a:r>
-              <a:rPr lang="it-IT" dirty="0">
-                <a:latin typeface="Arial" panose="020B0604020202020204" pitchFamily="34" charset="0"/>
-                <a:cs typeface="Arial" panose="020B0604020202020204" pitchFamily="34" charset="0"/>
+              <a:rPr lang="it-IT" sz="2400" dirty="0">
+                <a:solidFill>
+                  <a:srgbClr val="172542"/>
+                </a:solidFill>
+                <a:latin typeface="Arial"/>
+                <a:ea typeface="+mj-ea"/>
+                <a:cs typeface="Arial"/>
               </a:rPr>
               <a:t> the most </a:t>
             </a:r>
             <a:r>
-              <a:rPr lang="it-IT" dirty="0" err="1">
-                <a:latin typeface="Arial" panose="020B0604020202020204" pitchFamily="34" charset="0"/>
-                <a:cs typeface="Arial" panose="020B0604020202020204" pitchFamily="34" charset="0"/>
+              <a:rPr lang="it-IT" sz="2400" dirty="0" err="1">
+                <a:solidFill>
+                  <a:srgbClr val="172542"/>
+                </a:solidFill>
+                <a:latin typeface="Arial"/>
+                <a:ea typeface="+mj-ea"/>
+                <a:cs typeface="Arial"/>
               </a:rPr>
               <a:t>important</a:t>
             </a:r>
             <a:r>
-              <a:rPr lang="it-IT" dirty="0">
-                <a:latin typeface="Arial" panose="020B0604020202020204" pitchFamily="34" charset="0"/>
-                <a:cs typeface="Arial" panose="020B0604020202020204" pitchFamily="34" charset="0"/>
+              <a:rPr lang="it-IT" sz="2400" dirty="0">
+                <a:solidFill>
+                  <a:srgbClr val="172542"/>
+                </a:solidFill>
+                <a:latin typeface="Arial"/>
+                <a:ea typeface="+mj-ea"/>
+                <a:cs typeface="Arial"/>
               </a:rPr>
               <a:t> feature</a:t>
             </a:r>
@@ -14058,9 +14470,13 @@
               <a:buFont typeface="Arial" panose="020B0604020202020204" pitchFamily="34" charset="0"/>
               <a:buChar char="•"/>
             </a:pPr>
-            <a:endParaRPr lang="it-IT" dirty="0">
-              <a:latin typeface="Arial" panose="020B0604020202020204" pitchFamily="34" charset="0"/>
-              <a:cs typeface="Arial" panose="020B0604020202020204" pitchFamily="34" charset="0"/>
+            <a:endParaRPr lang="it-IT" sz="2400" dirty="0">
+              <a:solidFill>
+                <a:srgbClr val="172542"/>
+              </a:solidFill>
+              <a:latin typeface="Arial"/>
+              <a:ea typeface="+mj-ea"/>
+              <a:cs typeface="Arial"/>
             </a:endParaRPr>
           </a:p>
           <a:p>
@@ -14069,50 +14485,78 @@
               <a:buChar char="•"/>
             </a:pPr>
             <a:r>
-              <a:rPr lang="it-IT" dirty="0">
-                <a:latin typeface="Arial" panose="020B0604020202020204" pitchFamily="34" charset="0"/>
-                <a:cs typeface="Arial" panose="020B0604020202020204" pitchFamily="34" charset="0"/>
+              <a:rPr lang="it-IT" sz="2400" dirty="0">
+                <a:solidFill>
+                  <a:srgbClr val="172542"/>
+                </a:solidFill>
+                <a:latin typeface="Arial"/>
+                <a:ea typeface="+mj-ea"/>
+                <a:cs typeface="Arial"/>
               </a:rPr>
               <a:t>The </a:t>
             </a:r>
             <a:r>
-              <a:rPr lang="it-IT" dirty="0" err="1">
-                <a:latin typeface="Arial" panose="020B0604020202020204" pitchFamily="34" charset="0"/>
-                <a:cs typeface="Arial" panose="020B0604020202020204" pitchFamily="34" charset="0"/>
+              <a:rPr lang="it-IT" sz="2400" dirty="0" err="1">
+                <a:solidFill>
+                  <a:srgbClr val="172542"/>
+                </a:solidFill>
+                <a:latin typeface="Arial"/>
+                <a:ea typeface="+mj-ea"/>
+                <a:cs typeface="Arial"/>
               </a:rPr>
               <a:t>scored</a:t>
             </a:r>
             <a:r>
-              <a:rPr lang="it-IT" dirty="0">
-                <a:latin typeface="Arial" panose="020B0604020202020204" pitchFamily="34" charset="0"/>
-                <a:cs typeface="Arial" panose="020B0604020202020204" pitchFamily="34" charset="0"/>
+              <a:rPr lang="it-IT" sz="2400" dirty="0">
+                <a:solidFill>
+                  <a:srgbClr val="172542"/>
+                </a:solidFill>
+                <a:latin typeface="Arial"/>
+                <a:ea typeface="+mj-ea"/>
+                <a:cs typeface="Arial"/>
               </a:rPr>
               <a:t> points are </a:t>
             </a:r>
             <a:r>
-              <a:rPr lang="it-IT" dirty="0" err="1">
-                <a:latin typeface="Arial" panose="020B0604020202020204" pitchFamily="34" charset="0"/>
-                <a:cs typeface="Arial" panose="020B0604020202020204" pitchFamily="34" charset="0"/>
+              <a:rPr lang="it-IT" sz="2400" dirty="0" err="1">
+                <a:solidFill>
+                  <a:srgbClr val="172542"/>
+                </a:solidFill>
+                <a:latin typeface="Arial"/>
+                <a:ea typeface="+mj-ea"/>
+                <a:cs typeface="Arial"/>
               </a:rPr>
               <a:t>not</a:t>
             </a:r>
             <a:r>
-              <a:rPr lang="it-IT" dirty="0">
-                <a:latin typeface="Arial" panose="020B0604020202020204" pitchFamily="34" charset="0"/>
-                <a:cs typeface="Arial" panose="020B0604020202020204" pitchFamily="34" charset="0"/>
+              <a:rPr lang="it-IT" sz="2400" dirty="0">
+                <a:solidFill>
+                  <a:srgbClr val="172542"/>
+                </a:solidFill>
+                <a:latin typeface="Arial"/>
+                <a:ea typeface="+mj-ea"/>
+                <a:cs typeface="Arial"/>
               </a:rPr>
               <a:t> really </a:t>
             </a:r>
             <a:r>
-              <a:rPr lang="it-IT" dirty="0" err="1">
-                <a:latin typeface="Arial" panose="020B0604020202020204" pitchFamily="34" charset="0"/>
-                <a:cs typeface="Arial" panose="020B0604020202020204" pitchFamily="34" charset="0"/>
+              <a:rPr lang="it-IT" sz="2400" dirty="0" err="1">
+                <a:solidFill>
+                  <a:srgbClr val="172542"/>
+                </a:solidFill>
+                <a:latin typeface="Arial"/>
+                <a:ea typeface="+mj-ea"/>
+                <a:cs typeface="Arial"/>
               </a:rPr>
               <a:t>important</a:t>
             </a:r>
-            <a:endParaRPr lang="it-IT" dirty="0">
-              <a:latin typeface="Arial" panose="020B0604020202020204" pitchFamily="34" charset="0"/>
-              <a:cs typeface="Arial" panose="020B0604020202020204" pitchFamily="34" charset="0"/>
+            <a:endParaRPr lang="it-IT" sz="2400" dirty="0">
+              <a:solidFill>
+                <a:srgbClr val="172542"/>
+              </a:solidFill>
+              <a:latin typeface="Arial"/>
+              <a:ea typeface="+mj-ea"/>
+              <a:cs typeface="Arial"/>
             </a:endParaRPr>
           </a:p>
         </p:txBody>
@@ -14198,7 +14642,7 @@
         <p:spPr>
           <a:xfrm>
             <a:off x="828446" y="1738376"/>
-            <a:ext cx="9687154" cy="1517723"/>
+            <a:ext cx="9687154" cy="1887055"/>
           </a:xfrm>
           <a:prstGeom prst="rect">
             <a:avLst/>
@@ -14215,74 +14659,90 @@
               <a:buAutoNum type="arabicPeriod"/>
             </a:pPr>
             <a:r>
-              <a:rPr lang="en-US" sz="2400" spc="-5" dirty="0">
-                <a:solidFill>
-                  <a:srgbClr val="172542"/>
-                </a:solidFill>
-                <a:latin typeface="Arial MT"/>
+              <a:rPr lang="en-US" sz="2400" dirty="0">
+                <a:solidFill>
+                  <a:srgbClr val="172542"/>
+                </a:solidFill>
+                <a:latin typeface="Arial"/>
+                <a:ea typeface="+mj-ea"/>
+                <a:cs typeface="Arial"/>
               </a:rPr>
               <a:t>“</a:t>
             </a:r>
             <a:r>
-              <a:rPr lang="en-US" sz="2400" spc="-5" dirty="0" err="1">
-                <a:solidFill>
-                  <a:srgbClr val="172542"/>
-                </a:solidFill>
-                <a:latin typeface="Arial MT"/>
+              <a:rPr lang="en-US" sz="2400" dirty="0" err="1">
+                <a:solidFill>
+                  <a:srgbClr val="172542"/>
+                </a:solidFill>
+                <a:latin typeface="Arial"/>
+                <a:ea typeface="+mj-ea"/>
+                <a:cs typeface="Arial"/>
               </a:rPr>
               <a:t>Nba</a:t>
             </a:r>
             <a:r>
-              <a:rPr lang="en-US" sz="2400" spc="-5" dirty="0">
-                <a:solidFill>
-                  <a:srgbClr val="172542"/>
-                </a:solidFill>
-                <a:latin typeface="Arial MT"/>
+              <a:rPr lang="en-US" sz="2400" dirty="0">
+                <a:solidFill>
+                  <a:srgbClr val="172542"/>
+                </a:solidFill>
+                <a:latin typeface="Arial"/>
+                <a:ea typeface="+mj-ea"/>
+                <a:cs typeface="Arial"/>
               </a:rPr>
               <a:t> rookie stats,” 2016. data retrieved from </a:t>
             </a:r>
             <a:r>
-              <a:rPr lang="en-US" sz="2400" spc="-5" dirty="0" err="1">
-                <a:solidFill>
-                  <a:srgbClr val="172542"/>
-                </a:solidFill>
-                <a:latin typeface="Arial MT"/>
+              <a:rPr lang="en-US" sz="2400" dirty="0" err="1">
+                <a:solidFill>
+                  <a:srgbClr val="172542"/>
+                </a:solidFill>
+                <a:latin typeface="Arial"/>
+                <a:ea typeface="+mj-ea"/>
+                <a:cs typeface="Arial"/>
               </a:rPr>
               <a:t>data.world</a:t>
             </a:r>
             <a:r>
-              <a:rPr lang="en-US" sz="2400" spc="-5" dirty="0">
-                <a:solidFill>
-                  <a:srgbClr val="172542"/>
-                </a:solidFill>
-                <a:latin typeface="Arial MT"/>
+              <a:rPr lang="en-US" sz="2400" dirty="0">
+                <a:solidFill>
+                  <a:srgbClr val="172542"/>
+                </a:solidFill>
+                <a:latin typeface="Arial"/>
+                <a:ea typeface="+mj-ea"/>
+                <a:cs typeface="Arial"/>
               </a:rPr>
               <a:t>, https://data.</a:t>
             </a:r>
             <a:r>
-              <a:rPr lang="it-IT" sz="2400" spc="-5" dirty="0">
-                <a:solidFill>
-                  <a:srgbClr val="172542"/>
-                </a:solidFill>
-                <a:latin typeface="Arial MT"/>
+              <a:rPr lang="it-IT" sz="2400" dirty="0">
+                <a:solidFill>
+                  <a:srgbClr val="172542"/>
+                </a:solidFill>
+                <a:latin typeface="Arial"/>
+                <a:ea typeface="+mj-ea"/>
+                <a:cs typeface="Arial"/>
               </a:rPr>
               <a:t>world/</a:t>
             </a:r>
             <a:r>
-              <a:rPr lang="it-IT" sz="2400" spc="-5" dirty="0" err="1">
-                <a:solidFill>
-                  <a:srgbClr val="172542"/>
-                </a:solidFill>
-                <a:latin typeface="Arial MT"/>
+              <a:rPr lang="it-IT" sz="2400" dirty="0" err="1">
+                <a:solidFill>
+                  <a:srgbClr val="172542"/>
+                </a:solidFill>
+                <a:latin typeface="Arial"/>
+                <a:ea typeface="+mj-ea"/>
+                <a:cs typeface="Arial"/>
               </a:rPr>
               <a:t>exercises</a:t>
             </a:r>
             <a:r>
-              <a:rPr lang="it-IT" sz="2400" spc="-5" dirty="0">
-                <a:solidFill>
-                  <a:srgbClr val="172542"/>
-                </a:solidFill>
-                <a:latin typeface="Arial MT"/>
+              <a:rPr lang="it-IT" sz="2400" dirty="0">
+                <a:solidFill>
+                  <a:srgbClr val="172542"/>
+                </a:solidFill>
+                <a:latin typeface="Arial"/>
+                <a:ea typeface="+mj-ea"/>
+                <a:cs typeface="Arial"/>
               </a:rPr>
               <a:t>/logistic-regression-exercise-1. </a:t>
             </a:r>
@@ -14292,38 +14752,60 @@
               <a:buFont typeface="+mj-lt"/>
               <a:buAutoNum type="arabicPeriod"/>
             </a:pPr>
-            <a:r>
-              <a:rPr lang="en-US" sz="2400" spc="-5" dirty="0">
-                <a:solidFill>
-                  <a:srgbClr val="172542"/>
-                </a:solidFill>
-                <a:latin typeface="Arial MT"/>
-              </a:rPr>
-              <a:t>G. James, D. Witten, T. Hastie, and R. </a:t>
-            </a:r>
-            <a:r>
-              <a:rPr lang="en-US" sz="2400" spc="-5" dirty="0" err="1">
-                <a:solidFill>
-                  <a:srgbClr val="172542"/>
-                </a:solidFill>
-                <a:latin typeface="Arial MT"/>
-              </a:rPr>
-              <a:t>Tibshirani</a:t>
-            </a:r>
-            <a:r>
-              <a:rPr lang="en-US" sz="2400" spc="-5" dirty="0">
-                <a:solidFill>
-                  <a:srgbClr val="172542"/>
-                </a:solidFill>
-                <a:latin typeface="Arial MT"/>
-              </a:rPr>
-              <a:t>, An Introduction to Statistical Learning: with Applications in R. Springer, 2013.</a:t>
-            </a:r>
-            <a:endParaRPr sz="2400" spc="-5" dirty="0">
+            <a:endParaRPr lang="it-IT" sz="2400" dirty="0">
               <a:solidFill>
                 <a:srgbClr val="172542"/>
               </a:solidFill>
-              <a:latin typeface="Arial MT"/>
+              <a:latin typeface="Arial"/>
+              <a:ea typeface="+mj-ea"/>
+              <a:cs typeface="Arial"/>
+            </a:endParaRPr>
+          </a:p>
+          <a:p>
+            <a:pPr marL="342900" indent="-342900" algn="l">
+              <a:buFont typeface="+mj-lt"/>
+              <a:buAutoNum type="arabicPeriod"/>
+            </a:pPr>
+            <a:r>
+              <a:rPr lang="en-US" sz="2400" dirty="0">
+                <a:solidFill>
+                  <a:srgbClr val="172542"/>
+                </a:solidFill>
+                <a:latin typeface="Arial"/>
+                <a:ea typeface="+mj-ea"/>
+                <a:cs typeface="Arial"/>
+              </a:rPr>
+              <a:t>G. James, D. Witten, T. Hastie, and R. </a:t>
+            </a:r>
+            <a:r>
+              <a:rPr lang="en-US" sz="2400" dirty="0" err="1">
+                <a:solidFill>
+                  <a:srgbClr val="172542"/>
+                </a:solidFill>
+                <a:latin typeface="Arial"/>
+                <a:ea typeface="+mj-ea"/>
+                <a:cs typeface="Arial"/>
+              </a:rPr>
+              <a:t>Tibshirani</a:t>
+            </a:r>
+            <a:r>
+              <a:rPr lang="en-US" sz="2400" dirty="0">
+                <a:solidFill>
+                  <a:srgbClr val="172542"/>
+                </a:solidFill>
+                <a:latin typeface="Arial"/>
+                <a:ea typeface="+mj-ea"/>
+                <a:cs typeface="Arial"/>
+              </a:rPr>
+              <a:t>, An Introduction to Statistical Learning: with Applications in R. Springer, 2013.</a:t>
+            </a:r>
+            <a:endParaRPr sz="2400" dirty="0">
+              <a:solidFill>
+                <a:srgbClr val="172542"/>
+              </a:solidFill>
+              <a:latin typeface="Arial"/>
+              <a:ea typeface="+mj-ea"/>
+              <a:cs typeface="Arial"/>
             </a:endParaRPr>
           </a:p>
         </p:txBody>
@@ -14379,7 +14861,7 @@
         </p:nvSpPr>
         <p:spPr>
           <a:xfrm>
-            <a:off x="4686300" y="2753320"/>
+            <a:off x="4686300" y="2967335"/>
             <a:ext cx="2819399" cy="923330"/>
           </a:xfrm>
         </p:spPr>
@@ -14572,7 +15054,7 @@
         </p:nvSpPr>
         <p:spPr>
           <a:xfrm>
-            <a:off x="842262" y="482930"/>
+            <a:off x="853200" y="536400"/>
             <a:ext cx="6930137" cy="538609"/>
           </a:xfrm>
         </p:spPr>
@@ -14581,7 +15063,7 @@
           <a:lstStyle/>
           <a:p>
             <a:r>
-              <a:rPr lang="it-IT" sz="3500" b="1" spc="-5" dirty="0">
+              <a:rPr lang="it-IT" sz="3500" b="1" dirty="0">
                 <a:latin typeface="Arial"/>
                 <a:cs typeface="Arial"/>
               </a:rPr>
@@ -14604,7 +15086,7 @@
         </p:nvSpPr>
         <p:spPr>
           <a:xfrm>
-            <a:off x="835977" y="1752600"/>
+            <a:off x="853200" y="1800000"/>
             <a:ext cx="9643745" cy="2756011"/>
           </a:xfrm>
           <a:prstGeom prst="rect">
@@ -14709,7 +15191,7 @@
         </p:nvSpPr>
         <p:spPr>
           <a:xfrm>
-            <a:off x="2192780" y="4648200"/>
+            <a:off x="2210003" y="4788559"/>
             <a:ext cx="6930137" cy="984885"/>
           </a:xfrm>
           <a:prstGeom prst="rect">
@@ -14836,13 +15318,13 @@
               </a:spcBef>
             </a:pPr>
             <a:r>
-              <a:rPr lang="it-IT" sz="3500" b="1" spc="-5" dirty="0">
+              <a:rPr lang="it-IT" sz="3500" b="1" dirty="0">
                 <a:latin typeface="Arial"/>
                 <a:cs typeface="Arial"/>
               </a:rPr>
               <a:t>Dataset Description</a:t>
             </a:r>
-            <a:endParaRPr sz="3500" b="1" spc="-5" dirty="0">
+            <a:endParaRPr sz="3500" b="1" dirty="0">
               <a:latin typeface="Arial"/>
               <a:cs typeface="Arial"/>
             </a:endParaRPr>
@@ -14877,7 +15359,7 @@
         </p:blipFill>
         <p:spPr>
           <a:xfrm>
-            <a:off x="6858000" y="739370"/>
+            <a:off x="7772400" y="852650"/>
             <a:ext cx="3352800" cy="5265868"/>
           </a:xfrm>
           <a:prstGeom prst="rect">
@@ -14899,7 +15381,7 @@
         </p:nvSpPr>
         <p:spPr>
           <a:xfrm>
-            <a:off x="685800" y="2362200"/>
+            <a:off x="853846" y="1800000"/>
             <a:ext cx="5791200" cy="2246769"/>
           </a:xfrm>
           <a:prstGeom prst="rect">
@@ -15164,7 +15646,7 @@
         </p:nvSpPr>
         <p:spPr>
           <a:xfrm>
-            <a:off x="842263" y="482930"/>
+            <a:off x="853200" y="536400"/>
             <a:ext cx="4851400" cy="538609"/>
           </a:xfrm>
         </p:spPr>
@@ -15173,13 +15655,13 @@
           <a:lstStyle/>
           <a:p>
             <a:r>
-              <a:rPr lang="it-IT" sz="3500" b="1" spc="-5" dirty="0" err="1">
+              <a:rPr lang="it-IT" sz="3500" b="1" dirty="0" err="1">
                 <a:latin typeface="Arial"/>
                 <a:cs typeface="Arial"/>
               </a:rPr>
               <a:t>Objectives</a:t>
             </a:r>
-            <a:endParaRPr lang="it-IT" sz="3500" b="1" spc="-5" dirty="0">
+            <a:endParaRPr lang="it-IT" sz="3500" b="1" dirty="0">
               <a:latin typeface="Arial"/>
               <a:cs typeface="Arial"/>
             </a:endParaRPr>
@@ -15204,7 +15686,7 @@
         </p:nvSpPr>
         <p:spPr>
           <a:xfrm>
-            <a:off x="914400" y="2057400"/>
+            <a:off x="853200" y="1800000"/>
             <a:ext cx="8001000" cy="2154436"/>
           </a:xfrm>
         </p:spPr>
@@ -15290,7 +15772,7 @@
         </p:nvSpPr>
         <p:spPr>
           <a:xfrm>
-            <a:off x="853846" y="1828800"/>
+            <a:off x="853846" y="1800000"/>
             <a:ext cx="9643745" cy="3310009"/>
           </a:xfrm>
           <a:prstGeom prst="rect">
@@ -15349,39 +15831,30 @@
             <a:r>
               <a:rPr lang="it-IT" sz="2400" b="1" dirty="0">
                 <a:solidFill>
-                  <a:schemeClr val="bg1">
-                    <a:lumMod val="75000"/>
-                  </a:schemeClr>
-                </a:solidFill>
-                <a:latin typeface="Arial"/>
-                <a:cs typeface="Arial"/>
-              </a:rPr>
-              <a:t>Dataset </a:t>
+                  <a:srgbClr val="172542"/>
+                </a:solidFill>
+                <a:latin typeface="Arial"/>
+                <a:cs typeface="Arial"/>
+              </a:rPr>
+              <a:t>Data </a:t>
             </a:r>
             <a:r>
               <a:rPr lang="it-IT" sz="2400" b="1" dirty="0" err="1">
                 <a:solidFill>
-                  <a:schemeClr val="bg1">
-                    <a:lumMod val="75000"/>
-                  </a:schemeClr>
-                </a:solidFill>
-                <a:latin typeface="Arial"/>
-                <a:cs typeface="Arial"/>
-              </a:rPr>
-              <a:t>Overview</a:t>
-            </a:r>
-            <a:r>
-              <a:rPr lang="it-IT" sz="2400" b="1" dirty="0">
-                <a:solidFill>
-                  <a:schemeClr val="bg1">
-                    <a:lumMod val="75000"/>
-                  </a:schemeClr>
-                </a:solidFill>
-                <a:latin typeface="Arial"/>
-                <a:cs typeface="Arial"/>
-              </a:rPr>
-              <a:t> </a:t>
-            </a:r>
+                  <a:srgbClr val="172542"/>
+                </a:solidFill>
+                <a:latin typeface="Arial"/>
+                <a:cs typeface="Arial"/>
+              </a:rPr>
+              <a:t>Preprocessing</a:t>
+            </a:r>
+            <a:endParaRPr lang="it-IT" sz="2400" b="1" dirty="0">
+              <a:solidFill>
+                <a:srgbClr val="172542"/>
+              </a:solidFill>
+              <a:latin typeface="Arial"/>
+              <a:cs typeface="Arial"/>
+            </a:endParaRPr>
           </a:p>
           <a:p>
             <a:pPr marL="252000" indent="-228600">
@@ -15397,30 +15870,39 @@
             <a:r>
               <a:rPr lang="it-IT" sz="2400" b="1" dirty="0">
                 <a:solidFill>
-                  <a:srgbClr val="172542"/>
-                </a:solidFill>
-                <a:latin typeface="Arial"/>
-                <a:cs typeface="Arial"/>
-              </a:rPr>
-              <a:t>Data </a:t>
+                  <a:schemeClr val="bg1">
+                    <a:lumMod val="75000"/>
+                  </a:schemeClr>
+                </a:solidFill>
+                <a:latin typeface="Arial"/>
+                <a:cs typeface="Arial"/>
+              </a:rPr>
+              <a:t>Dataset </a:t>
             </a:r>
             <a:r>
               <a:rPr lang="it-IT" sz="2400" b="1" dirty="0" err="1">
                 <a:solidFill>
-                  <a:srgbClr val="172542"/>
-                </a:solidFill>
-                <a:latin typeface="Arial"/>
-                <a:cs typeface="Arial"/>
-              </a:rPr>
-              <a:t>Preprocessing</a:t>
-            </a:r>
-            <a:endParaRPr lang="it-IT" sz="2400" b="1" dirty="0">
-              <a:solidFill>
-                <a:srgbClr val="172542"/>
-              </a:solidFill>
-              <a:latin typeface="Arial"/>
-              <a:cs typeface="Arial"/>
-            </a:endParaRPr>
+                  <a:schemeClr val="bg1">
+                    <a:lumMod val="75000"/>
+                  </a:schemeClr>
+                </a:solidFill>
+                <a:latin typeface="Arial"/>
+                <a:cs typeface="Arial"/>
+              </a:rPr>
+              <a:t>Overview</a:t>
+            </a:r>
+            <a:r>
+              <a:rPr lang="it-IT" sz="2400" b="1" dirty="0">
+                <a:solidFill>
+                  <a:schemeClr val="bg1">
+                    <a:lumMod val="75000"/>
+                  </a:schemeClr>
+                </a:solidFill>
+                <a:latin typeface="Arial"/>
+                <a:cs typeface="Arial"/>
+              </a:rPr>
+              <a:t> </a:t>
+            </a:r>
           </a:p>
           <a:p>
             <a:pPr marL="252000" indent="-228600">
@@ -15434,7 +15916,7 @@
               </a:tabLst>
             </a:pPr>
             <a:r>
-              <a:rPr lang="it-IT" sz="2400" b="1" dirty="0">
+              <a:rPr lang="it-IT" sz="2400" b="1" dirty="0" err="1">
                 <a:solidFill>
                   <a:schemeClr val="bg1">
                     <a:lumMod val="75000"/>
@@ -15443,7 +15925,19 @@
                 <a:latin typeface="Arial"/>
                 <a:cs typeface="Arial"/>
               </a:rPr>
-              <a:t>Regression Analysis: </a:t>
+              <a:t>Regression</a:t>
+            </a:r>
+            <a:r>
+              <a:rPr lang="it-IT" sz="2400" b="1" dirty="0">
+                <a:solidFill>
+                  <a:schemeClr val="bg1">
+                    <a:lumMod val="75000"/>
+                  </a:schemeClr>
+                </a:solidFill>
+                <a:latin typeface="Arial"/>
+                <a:cs typeface="Arial"/>
+              </a:rPr>
+              <a:t> Analysis: </a:t>
             </a:r>
             <a:r>
               <a:rPr lang="it-IT" sz="2400" b="1" dirty="0" err="1">
@@ -15598,7 +16092,7 @@
         </p:nvSpPr>
         <p:spPr>
           <a:xfrm>
-            <a:off x="853846" y="536905"/>
+            <a:off x="853846" y="536400"/>
             <a:ext cx="3607435" cy="560070"/>
           </a:xfrm>
           <a:prstGeom prst="rect">
@@ -15626,7 +16120,7 @@
               </a:rPr>
               <a:t>Outline</a:t>
             </a:r>
-            <a:endParaRPr sz="3500" dirty="0">
+            <a:endParaRPr sz="3500" b="1" dirty="0">
               <a:latin typeface="Arial"/>
               <a:cs typeface="Arial"/>
             </a:endParaRPr>
@@ -15671,7 +16165,7 @@
         </p:nvSpPr>
         <p:spPr>
           <a:xfrm>
-            <a:off x="1447800" y="2057400"/>
+            <a:off x="853846" y="1800000"/>
             <a:ext cx="6172200" cy="1648015"/>
           </a:xfrm>
           <a:prstGeom prst="rect">
@@ -15875,7 +16369,7 @@
               </a:rPr>
               <a:t>Cleaning</a:t>
             </a:r>
-            <a:endParaRPr sz="3500" dirty="0">
+            <a:endParaRPr sz="3500" b="1" dirty="0">
               <a:latin typeface="Arial"/>
               <a:cs typeface="Arial"/>
             </a:endParaRPr>
@@ -15920,8 +16414,8 @@
         </p:nvSpPr>
         <p:spPr>
           <a:xfrm>
-            <a:off x="1447800" y="2057400"/>
-            <a:ext cx="4953000" cy="2202013"/>
+            <a:off x="853846" y="1800000"/>
+            <a:ext cx="8137754" cy="1648143"/>
           </a:xfrm>
           <a:prstGeom prst="rect">
             <a:avLst/>
@@ -16105,9 +16599,6 @@
           <a:lstStyle/>
           <a:p>
             <a:pPr marL="12700">
-              <a:lnSpc>
-                <a:spcPct val="100000"/>
-              </a:lnSpc>
               <a:spcBef>
                 <a:spcPts val="105"/>
               </a:spcBef>
@@ -16126,7 +16617,7 @@
               </a:rPr>
               <a:t>Selection</a:t>
             </a:r>
-            <a:endParaRPr sz="3500" dirty="0">
+            <a:endParaRPr sz="3500" b="1" dirty="0">
               <a:latin typeface="Arial"/>
               <a:cs typeface="Arial"/>
             </a:endParaRPr>
@@ -16149,7 +16640,7 @@
             </p:nvSpPr>
             <p:spPr>
               <a:xfrm>
-                <a:off x="3200400" y="3886200"/>
+                <a:off x="2375807" y="3429000"/>
                 <a:ext cx="2546916" cy="307777"/>
               </a:xfrm>
               <a:prstGeom prst="rect">
@@ -16244,7 +16735,7 @@
             </p:nvSpPr>
             <p:spPr>
               <a:xfrm>
-                <a:off x="3200400" y="3886200"/>
+                <a:off x="2375807" y="3429000"/>
                 <a:ext cx="2546916" cy="307777"/>
               </a:xfrm>
               <a:prstGeom prst="rect">
@@ -16253,7 +16744,7 @@
               <a:blipFill>
                 <a:blip r:embed="rId2"/>
                 <a:stretch>
-                  <a:fillRect l="-1675" r="-1675" b="-6000"/>
+                  <a:fillRect l="-1914" r="-1675" b="-6000"/>
                 </a:stretch>
               </a:blipFill>
             </p:spPr>
@@ -16288,7 +16779,7 @@
         </p:nvSpPr>
         <p:spPr>
           <a:xfrm>
-            <a:off x="2651861" y="4800600"/>
+            <a:off x="2651861" y="4320000"/>
             <a:ext cx="6888277" cy="752129"/>
           </a:xfrm>
           <a:prstGeom prst="rect">
